--- a/presentations/frankfurt_python_intro.pptx
+++ b/presentations/frankfurt_python_intro.pptx
@@ -5,7 +5,7 @@
     <p:sldMasterId id="2147483648" r:id="rId1"/>
   </p:sldMasterIdLst>
   <p:notesMasterIdLst>
-    <p:notesMasterId r:id="rId15"/>
+    <p:notesMasterId r:id="rId16"/>
   </p:notesMasterIdLst>
   <p:sldIdLst>
     <p:sldId id="314" r:id="rId2"/>
@@ -14,13 +14,14 @@
     <p:sldId id="334" r:id="rId5"/>
     <p:sldId id="330" r:id="rId6"/>
     <p:sldId id="335" r:id="rId7"/>
-    <p:sldId id="331" r:id="rId8"/>
-    <p:sldId id="332" r:id="rId9"/>
-    <p:sldId id="333" r:id="rId10"/>
-    <p:sldId id="323" r:id="rId11"/>
-    <p:sldId id="326" r:id="rId12"/>
-    <p:sldId id="324" r:id="rId13"/>
-    <p:sldId id="325" r:id="rId14"/>
+    <p:sldId id="336" r:id="rId8"/>
+    <p:sldId id="331" r:id="rId9"/>
+    <p:sldId id="332" r:id="rId10"/>
+    <p:sldId id="333" r:id="rId11"/>
+    <p:sldId id="323" r:id="rId12"/>
+    <p:sldId id="326" r:id="rId13"/>
+    <p:sldId id="324" r:id="rId14"/>
+    <p:sldId id="325" r:id="rId15"/>
   </p:sldIdLst>
   <p:sldSz cx="12192000" cy="6858000"/>
   <p:notesSz cx="6858000" cy="9144000"/>
@@ -4113,6 +4114,634 @@
           <a:lstStyle/>
           <a:p>
             <a:r>
+              <a:rPr lang="en-US" dirty="0" smtClean="0"/>
+              <a:t>Functions</a:t>
+            </a:r>
+            <a:endParaRPr lang="en-US" dirty="0"/>
+          </a:p>
+        </p:txBody>
+      </p:sp>
+      <p:sp>
+        <p:nvSpPr>
+          <p:cNvPr id="3" name="Content Placeholder 2"/>
+          <p:cNvSpPr>
+            <a:spLocks noGrp="1"/>
+          </p:cNvSpPr>
+          <p:nvPr>
+            <p:ph idx="1"/>
+          </p:nvPr>
+        </p:nvSpPr>
+        <p:spPr/>
+        <p:txBody>
+          <a:bodyPr>
+            <a:normAutofit fontScale="62500" lnSpcReduction="20000"/>
+          </a:bodyPr>
+          <a:lstStyle/>
+          <a:p>
+            <a:pPr marL="0" indent="0">
+              <a:buNone/>
+            </a:pPr>
+            <a:r>
+              <a:rPr lang="en-US" dirty="0" err="1">
+                <a:latin typeface="Courier New" charset="0"/>
+                <a:ea typeface="Courier New" charset="0"/>
+                <a:cs typeface="Courier New" charset="0"/>
+              </a:rPr>
+              <a:t>price_per_square</a:t>
+            </a:r>
+            <a:r>
+              <a:rPr lang="en-US" dirty="0">
+                <a:latin typeface="Courier New" charset="0"/>
+                <a:ea typeface="Courier New" charset="0"/>
+                <a:cs typeface="Courier New" charset="0"/>
+              </a:rPr>
+              <a:t> = </a:t>
+            </a:r>
+            <a:r>
+              <a:rPr lang="en-US" dirty="0" smtClean="0">
+                <a:latin typeface="Courier New" charset="0"/>
+                <a:ea typeface="Courier New" charset="0"/>
+                <a:cs typeface="Courier New" charset="0"/>
+              </a:rPr>
+              <a:t>100 </a:t>
+            </a:r>
+            <a:r>
+              <a:rPr lang="en-US" dirty="0">
+                <a:latin typeface="Courier New" charset="0"/>
+                <a:ea typeface="Courier New" charset="0"/>
+                <a:cs typeface="Courier New" charset="0"/>
+              </a:rPr>
+              <a:t/>
+            </a:r>
+            <a:br>
+              <a:rPr lang="en-US" dirty="0">
+                <a:latin typeface="Courier New" charset="0"/>
+                <a:ea typeface="Courier New" charset="0"/>
+                <a:cs typeface="Courier New" charset="0"/>
+              </a:rPr>
+            </a:br>
+            <a:r>
+              <a:rPr lang="en-US" dirty="0" err="1">
+                <a:latin typeface="Courier New" charset="0"/>
+                <a:ea typeface="Courier New" charset="0"/>
+                <a:cs typeface="Courier New" charset="0"/>
+              </a:rPr>
+              <a:t>garden_price</a:t>
+            </a:r>
+            <a:r>
+              <a:rPr lang="en-US" dirty="0">
+                <a:latin typeface="Courier New" charset="0"/>
+                <a:ea typeface="Courier New" charset="0"/>
+                <a:cs typeface="Courier New" charset="0"/>
+              </a:rPr>
+              <a:t> = </a:t>
+            </a:r>
+            <a:r>
+              <a:rPr lang="en-US" dirty="0" smtClean="0">
+                <a:latin typeface="Courier New" charset="0"/>
+                <a:ea typeface="Courier New" charset="0"/>
+                <a:cs typeface="Courier New" charset="0"/>
+              </a:rPr>
+              <a:t>1000 </a:t>
+            </a:r>
+            <a:r>
+              <a:rPr lang="en-US" dirty="0">
+                <a:latin typeface="Courier New" charset="0"/>
+                <a:ea typeface="Courier New" charset="0"/>
+                <a:cs typeface="Courier New" charset="0"/>
+              </a:rPr>
+              <a:t/>
+            </a:r>
+            <a:br>
+              <a:rPr lang="en-US" dirty="0">
+                <a:latin typeface="Courier New" charset="0"/>
+                <a:ea typeface="Courier New" charset="0"/>
+                <a:cs typeface="Courier New" charset="0"/>
+              </a:rPr>
+            </a:br>
+            <a:r>
+              <a:rPr lang="en-US" dirty="0">
+                <a:latin typeface="Courier New" charset="0"/>
+                <a:ea typeface="Courier New" charset="0"/>
+                <a:cs typeface="Courier New" charset="0"/>
+              </a:rPr>
+              <a:t/>
+            </a:r>
+            <a:br>
+              <a:rPr lang="en-US" dirty="0">
+                <a:latin typeface="Courier New" charset="0"/>
+                <a:ea typeface="Courier New" charset="0"/>
+                <a:cs typeface="Courier New" charset="0"/>
+              </a:rPr>
+            </a:br>
+            <a:r>
+              <a:rPr lang="en-US" dirty="0" err="1">
+                <a:latin typeface="Courier New" charset="0"/>
+                <a:ea typeface="Courier New" charset="0"/>
+                <a:cs typeface="Courier New" charset="0"/>
+              </a:rPr>
+              <a:t>def</a:t>
+            </a:r>
+            <a:r>
+              <a:rPr lang="en-US" dirty="0">
+                <a:latin typeface="Courier New" charset="0"/>
+                <a:ea typeface="Courier New" charset="0"/>
+                <a:cs typeface="Courier New" charset="0"/>
+              </a:rPr>
+              <a:t> </a:t>
+            </a:r>
+            <a:r>
+              <a:rPr lang="en-US" dirty="0" err="1">
+                <a:latin typeface="Courier New" charset="0"/>
+                <a:ea typeface="Courier New" charset="0"/>
+                <a:cs typeface="Courier New" charset="0"/>
+              </a:rPr>
+              <a:t>house_price</a:t>
+            </a:r>
+            <a:r>
+              <a:rPr lang="en-US" dirty="0">
+                <a:latin typeface="Courier New" charset="0"/>
+                <a:ea typeface="Courier New" charset="0"/>
+                <a:cs typeface="Courier New" charset="0"/>
+              </a:rPr>
+              <a:t>(length, width</a:t>
+            </a:r>
+            <a:r>
+              <a:rPr lang="en-US" dirty="0" smtClean="0">
+                <a:latin typeface="Courier New" charset="0"/>
+                <a:ea typeface="Courier New" charset="0"/>
+                <a:cs typeface="Courier New" charset="0"/>
+              </a:rPr>
+              <a:t>): </a:t>
+            </a:r>
+            <a:r>
+              <a:rPr lang="en-US" dirty="0">
+                <a:latin typeface="Courier New" charset="0"/>
+                <a:ea typeface="Courier New" charset="0"/>
+                <a:cs typeface="Courier New" charset="0"/>
+              </a:rPr>
+              <a:t/>
+            </a:r>
+            <a:br>
+              <a:rPr lang="en-US" dirty="0">
+                <a:latin typeface="Courier New" charset="0"/>
+                <a:ea typeface="Courier New" charset="0"/>
+                <a:cs typeface="Courier New" charset="0"/>
+              </a:rPr>
+            </a:br>
+            <a:r>
+              <a:rPr lang="en-US" dirty="0">
+                <a:latin typeface="Courier New" charset="0"/>
+                <a:ea typeface="Courier New" charset="0"/>
+                <a:cs typeface="Courier New" charset="0"/>
+              </a:rPr>
+              <a:t>    space = length * </a:t>
+            </a:r>
+            <a:r>
+              <a:rPr lang="en-US" dirty="0" smtClean="0">
+                <a:latin typeface="Courier New" charset="0"/>
+                <a:ea typeface="Courier New" charset="0"/>
+                <a:cs typeface="Courier New" charset="0"/>
+              </a:rPr>
+              <a:t>width </a:t>
+            </a:r>
+            <a:r>
+              <a:rPr lang="en-US" dirty="0">
+                <a:latin typeface="Courier New" charset="0"/>
+                <a:ea typeface="Courier New" charset="0"/>
+                <a:cs typeface="Courier New" charset="0"/>
+              </a:rPr>
+              <a:t/>
+            </a:r>
+            <a:br>
+              <a:rPr lang="en-US" dirty="0">
+                <a:latin typeface="Courier New" charset="0"/>
+                <a:ea typeface="Courier New" charset="0"/>
+                <a:cs typeface="Courier New" charset="0"/>
+              </a:rPr>
+            </a:br>
+            <a:r>
+              <a:rPr lang="en-US" dirty="0">
+                <a:latin typeface="Courier New" charset="0"/>
+                <a:ea typeface="Courier New" charset="0"/>
+                <a:cs typeface="Courier New" charset="0"/>
+              </a:rPr>
+              <a:t>    return space * </a:t>
+            </a:r>
+            <a:r>
+              <a:rPr lang="en-US" dirty="0" err="1">
+                <a:latin typeface="Courier New" charset="0"/>
+                <a:ea typeface="Courier New" charset="0"/>
+                <a:cs typeface="Courier New" charset="0"/>
+              </a:rPr>
+              <a:t>price_per_square</a:t>
+            </a:r>
+            <a:r>
+              <a:rPr lang="en-US" dirty="0">
+                <a:latin typeface="Courier New" charset="0"/>
+                <a:ea typeface="Courier New" charset="0"/>
+                <a:cs typeface="Courier New" charset="0"/>
+              </a:rPr>
+              <a:t/>
+            </a:r>
+            <a:br>
+              <a:rPr lang="en-US" dirty="0">
+                <a:latin typeface="Courier New" charset="0"/>
+                <a:ea typeface="Courier New" charset="0"/>
+                <a:cs typeface="Courier New" charset="0"/>
+              </a:rPr>
+            </a:br>
+            <a:r>
+              <a:rPr lang="en-US" dirty="0">
+                <a:latin typeface="Courier New" charset="0"/>
+                <a:ea typeface="Courier New" charset="0"/>
+                <a:cs typeface="Courier New" charset="0"/>
+              </a:rPr>
+              <a:t/>
+            </a:r>
+            <a:br>
+              <a:rPr lang="en-US" dirty="0">
+                <a:latin typeface="Courier New" charset="0"/>
+                <a:ea typeface="Courier New" charset="0"/>
+                <a:cs typeface="Courier New" charset="0"/>
+              </a:rPr>
+            </a:br>
+            <a:r>
+              <a:rPr lang="en-US" dirty="0" err="1">
+                <a:latin typeface="Courier New" charset="0"/>
+                <a:ea typeface="Courier New" charset="0"/>
+                <a:cs typeface="Courier New" charset="0"/>
+              </a:rPr>
+              <a:t>def</a:t>
+            </a:r>
+            <a:r>
+              <a:rPr lang="en-US" dirty="0">
+                <a:latin typeface="Courier New" charset="0"/>
+                <a:ea typeface="Courier New" charset="0"/>
+                <a:cs typeface="Courier New" charset="0"/>
+              </a:rPr>
+              <a:t> </a:t>
+            </a:r>
+            <a:r>
+              <a:rPr lang="en-US" dirty="0" err="1">
+                <a:latin typeface="Courier New" charset="0"/>
+                <a:ea typeface="Courier New" charset="0"/>
+                <a:cs typeface="Courier New" charset="0"/>
+              </a:rPr>
+              <a:t>elite_house_price</a:t>
+            </a:r>
+            <a:r>
+              <a:rPr lang="en-US" dirty="0">
+                <a:latin typeface="Courier New" charset="0"/>
+                <a:ea typeface="Courier New" charset="0"/>
+                <a:cs typeface="Courier New" charset="0"/>
+              </a:rPr>
+              <a:t>(length, width</a:t>
+            </a:r>
+            <a:r>
+              <a:rPr lang="en-US" dirty="0" smtClean="0">
+                <a:latin typeface="Courier New" charset="0"/>
+                <a:ea typeface="Courier New" charset="0"/>
+                <a:cs typeface="Courier New" charset="0"/>
+              </a:rPr>
+              <a:t>): </a:t>
+            </a:r>
+            <a:r>
+              <a:rPr lang="en-US" dirty="0">
+                <a:latin typeface="Courier New" charset="0"/>
+                <a:ea typeface="Courier New" charset="0"/>
+                <a:cs typeface="Courier New" charset="0"/>
+              </a:rPr>
+              <a:t/>
+            </a:r>
+            <a:br>
+              <a:rPr lang="en-US" dirty="0">
+                <a:latin typeface="Courier New" charset="0"/>
+                <a:ea typeface="Courier New" charset="0"/>
+                <a:cs typeface="Courier New" charset="0"/>
+              </a:rPr>
+            </a:br>
+            <a:r>
+              <a:rPr lang="en-US" dirty="0">
+                <a:latin typeface="Courier New" charset="0"/>
+                <a:ea typeface="Courier New" charset="0"/>
+                <a:cs typeface="Courier New" charset="0"/>
+              </a:rPr>
+              <a:t>    space = length * </a:t>
+            </a:r>
+            <a:r>
+              <a:rPr lang="en-US" dirty="0" smtClean="0">
+                <a:latin typeface="Courier New" charset="0"/>
+                <a:ea typeface="Courier New" charset="0"/>
+                <a:cs typeface="Courier New" charset="0"/>
+              </a:rPr>
+              <a:t>width </a:t>
+            </a:r>
+            <a:r>
+              <a:rPr lang="en-US" dirty="0">
+                <a:latin typeface="Courier New" charset="0"/>
+                <a:ea typeface="Courier New" charset="0"/>
+                <a:cs typeface="Courier New" charset="0"/>
+              </a:rPr>
+              <a:t/>
+            </a:r>
+            <a:br>
+              <a:rPr lang="en-US" dirty="0">
+                <a:latin typeface="Courier New" charset="0"/>
+                <a:ea typeface="Courier New" charset="0"/>
+                <a:cs typeface="Courier New" charset="0"/>
+              </a:rPr>
+            </a:br>
+            <a:r>
+              <a:rPr lang="en-US" dirty="0">
+                <a:latin typeface="Courier New" charset="0"/>
+                <a:ea typeface="Courier New" charset="0"/>
+                <a:cs typeface="Courier New" charset="0"/>
+              </a:rPr>
+              <a:t>    return space * </a:t>
+            </a:r>
+            <a:r>
+              <a:rPr lang="en-US" dirty="0" err="1">
+                <a:latin typeface="Courier New" charset="0"/>
+                <a:ea typeface="Courier New" charset="0"/>
+                <a:cs typeface="Courier New" charset="0"/>
+              </a:rPr>
+              <a:t>price_per_square</a:t>
+            </a:r>
+            <a:r>
+              <a:rPr lang="en-US" dirty="0">
+                <a:latin typeface="Courier New" charset="0"/>
+                <a:ea typeface="Courier New" charset="0"/>
+                <a:cs typeface="Courier New" charset="0"/>
+              </a:rPr>
+              <a:t> + </a:t>
+            </a:r>
+            <a:r>
+              <a:rPr lang="en-US" dirty="0" err="1">
+                <a:latin typeface="Courier New" charset="0"/>
+                <a:ea typeface="Courier New" charset="0"/>
+                <a:cs typeface="Courier New" charset="0"/>
+              </a:rPr>
+              <a:t>garden_price</a:t>
+            </a:r>
+            <a:r>
+              <a:rPr lang="en-US" dirty="0">
+                <a:latin typeface="Courier New" charset="0"/>
+                <a:ea typeface="Courier New" charset="0"/>
+                <a:cs typeface="Courier New" charset="0"/>
+              </a:rPr>
+              <a:t/>
+            </a:r>
+            <a:br>
+              <a:rPr lang="en-US" dirty="0">
+                <a:latin typeface="Courier New" charset="0"/>
+                <a:ea typeface="Courier New" charset="0"/>
+                <a:cs typeface="Courier New" charset="0"/>
+              </a:rPr>
+            </a:br>
+            <a:r>
+              <a:rPr lang="en-US" dirty="0">
+                <a:latin typeface="Courier New" charset="0"/>
+                <a:ea typeface="Courier New" charset="0"/>
+                <a:cs typeface="Courier New" charset="0"/>
+              </a:rPr>
+              <a:t/>
+            </a:r>
+            <a:br>
+              <a:rPr lang="en-US" dirty="0">
+                <a:latin typeface="Courier New" charset="0"/>
+                <a:ea typeface="Courier New" charset="0"/>
+                <a:cs typeface="Courier New" charset="0"/>
+              </a:rPr>
+            </a:br>
+            <a:r>
+              <a:rPr lang="en-US" dirty="0">
+                <a:latin typeface="Courier New" charset="0"/>
+                <a:ea typeface="Courier New" charset="0"/>
+                <a:cs typeface="Courier New" charset="0"/>
+              </a:rPr>
+              <a:t/>
+            </a:r>
+            <a:br>
+              <a:rPr lang="en-US" dirty="0">
+                <a:latin typeface="Courier New" charset="0"/>
+                <a:ea typeface="Courier New" charset="0"/>
+                <a:cs typeface="Courier New" charset="0"/>
+              </a:rPr>
+            </a:br>
+            <a:r>
+              <a:rPr lang="en-US" dirty="0" err="1" smtClean="0">
+                <a:latin typeface="Courier New" charset="0"/>
+                <a:ea typeface="Courier New" charset="0"/>
+                <a:cs typeface="Courier New" charset="0"/>
+              </a:rPr>
+              <a:t>my_house_price</a:t>
+            </a:r>
+            <a:r>
+              <a:rPr lang="en-US" dirty="0" smtClean="0">
+                <a:latin typeface="Courier New" charset="0"/>
+                <a:ea typeface="Courier New" charset="0"/>
+                <a:cs typeface="Courier New" charset="0"/>
+              </a:rPr>
+              <a:t> = </a:t>
+            </a:r>
+            <a:r>
+              <a:rPr lang="en-US" dirty="0" err="1" smtClean="0">
+                <a:latin typeface="Courier New" charset="0"/>
+                <a:ea typeface="Courier New" charset="0"/>
+                <a:cs typeface="Courier New" charset="0"/>
+              </a:rPr>
+              <a:t>house_price</a:t>
+            </a:r>
+            <a:r>
+              <a:rPr lang="en-US" dirty="0" smtClean="0">
+                <a:latin typeface="Courier New" charset="0"/>
+                <a:ea typeface="Courier New" charset="0"/>
+                <a:cs typeface="Courier New" charset="0"/>
+              </a:rPr>
+              <a:t>(10,20)</a:t>
+            </a:r>
+          </a:p>
+          <a:p>
+            <a:pPr marL="0" indent="0">
+              <a:buNone/>
+            </a:pPr>
+            <a:r>
+              <a:rPr lang="en-US" dirty="0" err="1" smtClean="0">
+                <a:latin typeface="Courier New" charset="0"/>
+                <a:ea typeface="Courier New" charset="0"/>
+                <a:cs typeface="Courier New" charset="0"/>
+              </a:rPr>
+              <a:t>trump_house_price</a:t>
+            </a:r>
+            <a:r>
+              <a:rPr lang="en-US" dirty="0" smtClean="0">
+                <a:latin typeface="Courier New" charset="0"/>
+                <a:ea typeface="Courier New" charset="0"/>
+                <a:cs typeface="Courier New" charset="0"/>
+              </a:rPr>
+              <a:t> = </a:t>
+            </a:r>
+            <a:r>
+              <a:rPr lang="en-US" dirty="0" err="1" smtClean="0">
+                <a:latin typeface="Courier New" charset="0"/>
+                <a:ea typeface="Courier New" charset="0"/>
+                <a:cs typeface="Courier New" charset="0"/>
+              </a:rPr>
+              <a:t>elite_house_price</a:t>
+            </a:r>
+            <a:r>
+              <a:rPr lang="en-US" dirty="0" smtClean="0">
+                <a:latin typeface="Courier New" charset="0"/>
+                <a:ea typeface="Courier New" charset="0"/>
+                <a:cs typeface="Courier New" charset="0"/>
+              </a:rPr>
+              <a:t>(100,200)</a:t>
+            </a:r>
+          </a:p>
+          <a:p>
+            <a:pPr marL="0" indent="0">
+              <a:buNone/>
+            </a:pPr>
+            <a:r>
+              <a:rPr lang="en-US" dirty="0">
+                <a:latin typeface="Courier New" charset="0"/>
+                <a:ea typeface="Courier New" charset="0"/>
+                <a:cs typeface="Courier New" charset="0"/>
+              </a:rPr>
+              <a:t> </a:t>
+            </a:r>
+            <a:endParaRPr lang="en-US" dirty="0" smtClean="0">
+              <a:latin typeface="Courier New" charset="0"/>
+              <a:ea typeface="Courier New" charset="0"/>
+              <a:cs typeface="Courier New" charset="0"/>
+            </a:endParaRPr>
+          </a:p>
+          <a:p>
+            <a:pPr marL="0" indent="0">
+              <a:buNone/>
+            </a:pPr>
+            <a:r>
+              <a:rPr lang="en-US" b="1" dirty="0" smtClean="0">
+                <a:latin typeface="Courier New" charset="0"/>
+                <a:ea typeface="Courier New" charset="0"/>
+                <a:cs typeface="Courier New" charset="0"/>
+              </a:rPr>
+              <a:t>#Task: make one function instead of two</a:t>
+            </a:r>
+            <a:r>
+              <a:rPr lang="en-US" dirty="0">
+                <a:latin typeface="Courier New" charset="0"/>
+                <a:ea typeface="Courier New" charset="0"/>
+                <a:cs typeface="Courier New" charset="0"/>
+              </a:rPr>
+              <a:t/>
+            </a:r>
+            <a:br>
+              <a:rPr lang="en-US" dirty="0">
+                <a:latin typeface="Courier New" charset="0"/>
+                <a:ea typeface="Courier New" charset="0"/>
+                <a:cs typeface="Courier New" charset="0"/>
+              </a:rPr>
+            </a:br>
+            <a:r>
+              <a:rPr lang="en-US" dirty="0">
+                <a:latin typeface="Courier New" charset="0"/>
+                <a:ea typeface="Courier New" charset="0"/>
+                <a:cs typeface="Courier New" charset="0"/>
+              </a:rPr>
+              <a:t/>
+            </a:r>
+            <a:br>
+              <a:rPr lang="en-US" dirty="0">
+                <a:latin typeface="Courier New" charset="0"/>
+                <a:ea typeface="Courier New" charset="0"/>
+                <a:cs typeface="Courier New" charset="0"/>
+              </a:rPr>
+            </a:br>
+            <a:r>
+              <a:rPr lang="en-US" dirty="0">
+                <a:latin typeface="Courier New" charset="0"/>
+                <a:ea typeface="Courier New" charset="0"/>
+                <a:cs typeface="Courier New" charset="0"/>
+              </a:rPr>
+              <a:t/>
+            </a:r>
+            <a:br>
+              <a:rPr lang="en-US" dirty="0">
+                <a:latin typeface="Courier New" charset="0"/>
+                <a:ea typeface="Courier New" charset="0"/>
+                <a:cs typeface="Courier New" charset="0"/>
+              </a:rPr>
+            </a:br>
+            <a:endParaRPr lang="en-US" dirty="0">
+              <a:latin typeface="Courier New" charset="0"/>
+              <a:ea typeface="Courier New" charset="0"/>
+              <a:cs typeface="Courier New" charset="0"/>
+            </a:endParaRPr>
+          </a:p>
+          <a:p>
+            <a:endParaRPr lang="en-US" dirty="0" smtClean="0">
+              <a:latin typeface="Courier New" charset="0"/>
+              <a:ea typeface="Courier New" charset="0"/>
+              <a:cs typeface="Courier New" charset="0"/>
+            </a:endParaRPr>
+          </a:p>
+        </p:txBody>
+      </p:sp>
+    </p:spTree>
+    <p:extLst>
+      <p:ext uri="{BB962C8B-B14F-4D97-AF65-F5344CB8AC3E}">
+        <p14:creationId xmlns:p14="http://schemas.microsoft.com/office/powerpoint/2010/main" val="1403307724"/>
+      </p:ext>
+    </p:extLst>
+  </p:cSld>
+  <p:clrMapOvr>
+    <a:masterClrMapping/>
+  </p:clrMapOvr>
+  <p:timing>
+    <p:tnLst>
+      <p:par>
+        <p:cTn id="1" dur="indefinite" restart="never" nodeType="tmRoot"/>
+      </p:par>
+    </p:tnLst>
+  </p:timing>
+</p:sld>
+</file>
+
+<file path=ppt/slides/slide11.xml><?xml version="1.0" encoding="utf-8"?>
+<p:sld xmlns:a="http://schemas.openxmlformats.org/drawingml/2006/main" xmlns:r="http://schemas.openxmlformats.org/officeDocument/2006/relationships" xmlns:p="http://schemas.openxmlformats.org/presentationml/2006/main">
+  <p:cSld>
+    <p:spTree>
+      <p:nvGrpSpPr>
+        <p:cNvPr id="1" name=""/>
+        <p:cNvGrpSpPr/>
+        <p:nvPr/>
+      </p:nvGrpSpPr>
+      <p:grpSpPr>
+        <a:xfrm>
+          <a:off x="0" y="0"/>
+          <a:ext cx="0" cy="0"/>
+          <a:chOff x="0" y="0"/>
+          <a:chExt cx="0" cy="0"/>
+        </a:xfrm>
+      </p:grpSpPr>
+      <p:sp>
+        <p:nvSpPr>
+          <p:cNvPr id="2" name="Title 1"/>
+          <p:cNvSpPr>
+            <a:spLocks noGrp="1"/>
+          </p:cNvSpPr>
+          <p:nvPr>
+            <p:ph type="title"/>
+          </p:nvPr>
+        </p:nvSpPr>
+        <p:spPr/>
+        <p:txBody>
+          <a:bodyPr/>
+          <a:lstStyle/>
+          <a:p>
+            <a:r>
               <a:rPr lang="en-US" dirty="0" smtClean="0">
                 <a:latin typeface="Courier" charset="0"/>
                 <a:ea typeface="Courier" charset="0"/>
@@ -4272,7 +4901,7 @@
 </p:sld>
 </file>
 
-<file path=ppt/slides/slide11.xml><?xml version="1.0" encoding="utf-8"?>
+<file path=ppt/slides/slide12.xml><?xml version="1.0" encoding="utf-8"?>
 <p:sld xmlns:a="http://schemas.openxmlformats.org/drawingml/2006/main" xmlns:r="http://schemas.openxmlformats.org/officeDocument/2006/relationships" xmlns:p="http://schemas.openxmlformats.org/presentationml/2006/main">
   <p:cSld>
     <p:spTree>
@@ -4570,7 +5199,7 @@
 </p:sld>
 </file>
 
-<file path=ppt/slides/slide12.xml><?xml version="1.0" encoding="utf-8"?>
+<file path=ppt/slides/slide13.xml><?xml version="1.0" encoding="utf-8"?>
 <p:sld xmlns:a="http://schemas.openxmlformats.org/drawingml/2006/main" xmlns:r="http://schemas.openxmlformats.org/officeDocument/2006/relationships" xmlns:p="http://schemas.openxmlformats.org/presentationml/2006/main">
   <p:cSld>
     <p:spTree>
@@ -4708,7 +5337,7 @@
 </p:sld>
 </file>
 
-<file path=ppt/slides/slide13.xml><?xml version="1.0" encoding="utf-8"?>
+<file path=ppt/slides/slide14.xml><?xml version="1.0" encoding="utf-8"?>
 <p:sld xmlns:a="http://schemas.openxmlformats.org/drawingml/2006/main" xmlns:r="http://schemas.openxmlformats.org/officeDocument/2006/relationships" xmlns:p="http://schemas.openxmlformats.org/presentationml/2006/main">
   <p:cSld>
     <p:spTree>
@@ -6664,6 +7293,198 @@
 </file>
 
 <file path=ppt/slides/slide7.xml><?xml version="1.0" encoding="utf-8"?>
+<p:sld xmlns:a="http://schemas.openxmlformats.org/drawingml/2006/main" xmlns:r="http://schemas.openxmlformats.org/officeDocument/2006/relationships" xmlns:p="http://schemas.openxmlformats.org/presentationml/2006/main">
+  <p:cSld>
+    <p:spTree>
+      <p:nvGrpSpPr>
+        <p:cNvPr id="1" name=""/>
+        <p:cNvGrpSpPr/>
+        <p:nvPr/>
+      </p:nvGrpSpPr>
+      <p:grpSpPr>
+        <a:xfrm>
+          <a:off x="0" y="0"/>
+          <a:ext cx="0" cy="0"/>
+          <a:chOff x="0" y="0"/>
+          <a:chExt cx="0" cy="0"/>
+        </a:xfrm>
+      </p:grpSpPr>
+      <p:sp>
+        <p:nvSpPr>
+          <p:cNvPr id="2" name="Title 1"/>
+          <p:cNvSpPr>
+            <a:spLocks noGrp="1"/>
+          </p:cNvSpPr>
+          <p:nvPr>
+            <p:ph type="title"/>
+          </p:nvPr>
+        </p:nvSpPr>
+        <p:spPr/>
+        <p:txBody>
+          <a:bodyPr/>
+          <a:lstStyle/>
+          <a:p>
+            <a:r>
+              <a:rPr lang="en-US" dirty="0" smtClean="0"/>
+              <a:t>Strings, type conversions</a:t>
+            </a:r>
+            <a:endParaRPr lang="en-US" dirty="0"/>
+          </a:p>
+        </p:txBody>
+      </p:sp>
+      <p:sp>
+        <p:nvSpPr>
+          <p:cNvPr id="3" name="Content Placeholder 2"/>
+          <p:cNvSpPr>
+            <a:spLocks noGrp="1"/>
+          </p:cNvSpPr>
+          <p:nvPr>
+            <p:ph idx="1"/>
+          </p:nvPr>
+        </p:nvSpPr>
+        <p:spPr/>
+        <p:txBody>
+          <a:bodyPr/>
+          <a:lstStyle/>
+          <a:p>
+            <a:r>
+              <a:rPr lang="en-US" dirty="0" smtClean="0">
+                <a:latin typeface="Courier" charset="0"/>
+                <a:ea typeface="Courier" charset="0"/>
+                <a:cs typeface="Courier" charset="0"/>
+              </a:rPr>
+              <a:t>a = 1</a:t>
+            </a:r>
+          </a:p>
+          <a:p>
+            <a:r>
+              <a:rPr lang="en-US" dirty="0" smtClean="0">
+                <a:latin typeface="Courier" charset="0"/>
+                <a:ea typeface="Courier" charset="0"/>
+                <a:cs typeface="Courier" charset="0"/>
+              </a:rPr>
+              <a:t>print('a = ' + a)</a:t>
+            </a:r>
+          </a:p>
+          <a:p>
+            <a:r>
+              <a:rPr lang="en-US" dirty="0" smtClean="0">
+                <a:latin typeface="Courier" charset="0"/>
+                <a:ea typeface="Courier" charset="0"/>
+                <a:cs typeface="Courier" charset="0"/>
+              </a:rPr>
+              <a:t>print(</a:t>
+            </a:r>
+            <a:r>
+              <a:rPr lang="en-US" dirty="0" err="1" smtClean="0">
+                <a:latin typeface="Courier" charset="0"/>
+                <a:ea typeface="Courier" charset="0"/>
+                <a:cs typeface="Courier" charset="0"/>
+              </a:rPr>
+              <a:t>f'a</a:t>
+            </a:r>
+            <a:r>
+              <a:rPr lang="en-US" dirty="0" smtClean="0">
+                <a:latin typeface="Courier" charset="0"/>
+                <a:ea typeface="Courier" charset="0"/>
+                <a:cs typeface="Courier" charset="0"/>
+              </a:rPr>
+              <a:t> = {a}')</a:t>
+            </a:r>
+          </a:p>
+          <a:p>
+            <a:endParaRPr lang="en-US" dirty="0">
+              <a:latin typeface="Courier" charset="0"/>
+              <a:ea typeface="Courier" charset="0"/>
+              <a:cs typeface="Courier" charset="0"/>
+            </a:endParaRPr>
+          </a:p>
+          <a:p>
+            <a:r>
+              <a:rPr lang="en-US" dirty="0" smtClean="0">
+                <a:latin typeface="Courier" charset="0"/>
+                <a:ea typeface="Courier" charset="0"/>
+                <a:cs typeface="Courier" charset="0"/>
+              </a:rPr>
+              <a:t>No difference between single and double quotation marks</a:t>
+            </a:r>
+          </a:p>
+          <a:p>
+            <a:r>
+              <a:rPr lang="en-US" dirty="0" smtClean="0">
+                <a:latin typeface="Courier" charset="0"/>
+                <a:ea typeface="Courier" charset="0"/>
+                <a:cs typeface="Courier" charset="0"/>
+              </a:rPr>
+              <a:t>You can also use .format() and other functions (.lower(), replace(), upper(), join() etc.)</a:t>
+            </a:r>
+          </a:p>
+          <a:p>
+            <a:r>
+              <a:rPr lang="en-US" dirty="0" smtClean="0">
+                <a:latin typeface="Courier" charset="0"/>
+                <a:ea typeface="Courier" charset="0"/>
+                <a:cs typeface="Courier" charset="0"/>
+              </a:rPr>
+              <a:t> conversion of types: </a:t>
+            </a:r>
+            <a:r>
+              <a:rPr lang="en-US" dirty="0" err="1" smtClean="0">
+                <a:latin typeface="Courier" charset="0"/>
+                <a:ea typeface="Courier" charset="0"/>
+                <a:cs typeface="Courier" charset="0"/>
+              </a:rPr>
+              <a:t>int</a:t>
+            </a:r>
+            <a:r>
+              <a:rPr lang="en-US" dirty="0" smtClean="0">
+                <a:latin typeface="Courier" charset="0"/>
+                <a:ea typeface="Courier" charset="0"/>
+                <a:cs typeface="Courier" charset="0"/>
+              </a:rPr>
+              <a:t>, bool, </a:t>
+            </a:r>
+            <a:r>
+              <a:rPr lang="en-US" dirty="0" err="1" smtClean="0">
+                <a:latin typeface="Courier" charset="0"/>
+                <a:ea typeface="Courier" charset="0"/>
+                <a:cs typeface="Courier" charset="0"/>
+              </a:rPr>
+              <a:t>str</a:t>
+            </a:r>
+            <a:r>
+              <a:rPr lang="en-US" smtClean="0">
+                <a:latin typeface="Courier" charset="0"/>
+                <a:ea typeface="Courier" charset="0"/>
+                <a:cs typeface="Courier" charset="0"/>
+              </a:rPr>
+              <a:t>, float</a:t>
+            </a:r>
+            <a:endParaRPr lang="en-US" dirty="0" smtClean="0"/>
+          </a:p>
+        </p:txBody>
+      </p:sp>
+    </p:spTree>
+    <p:extLst>
+      <p:ext uri="{BB962C8B-B14F-4D97-AF65-F5344CB8AC3E}">
+        <p14:creationId xmlns:p14="http://schemas.microsoft.com/office/powerpoint/2010/main" val="926894559"/>
+      </p:ext>
+    </p:extLst>
+  </p:cSld>
+  <p:clrMapOvr>
+    <a:masterClrMapping/>
+  </p:clrMapOvr>
+  <p:timing>
+    <p:tnLst>
+      <p:par>
+        <p:cTn id="1" dur="indefinite" restart="never" nodeType="tmRoot"/>
+      </p:par>
+    </p:tnLst>
+  </p:timing>
+</p:sld>
+</file>
+
+<file path=ppt/slides/slide8.xml><?xml version="1.0" encoding="utf-8"?>
 <p:sld xmlns:a="http://schemas.openxmlformats.org/drawingml/2006/main" xmlns:r="http://schemas.openxmlformats.org/officeDocument/2006/relationships" xmlns:p="http://schemas.openxmlformats.org/presentationml/2006/main">
   <p:cSld>
     <p:spTree>
@@ -7477,383 +8298,6 @@
 </p:sld>
 </file>
 
-<file path=ppt/slides/slide8.xml><?xml version="1.0" encoding="utf-8"?>
-<p:sld xmlns:a="http://schemas.openxmlformats.org/drawingml/2006/main" xmlns:r="http://schemas.openxmlformats.org/officeDocument/2006/relationships" xmlns:p="http://schemas.openxmlformats.org/presentationml/2006/main">
-  <p:cSld>
-    <p:spTree>
-      <p:nvGrpSpPr>
-        <p:cNvPr id="1" name=""/>
-        <p:cNvGrpSpPr/>
-        <p:nvPr/>
-      </p:nvGrpSpPr>
-      <p:grpSpPr>
-        <a:xfrm>
-          <a:off x="0" y="0"/>
-          <a:ext cx="0" cy="0"/>
-          <a:chOff x="0" y="0"/>
-          <a:chExt cx="0" cy="0"/>
-        </a:xfrm>
-      </p:grpSpPr>
-      <p:sp>
-        <p:nvSpPr>
-          <p:cNvPr id="2" name="Title 1"/>
-          <p:cNvSpPr>
-            <a:spLocks noGrp="1"/>
-          </p:cNvSpPr>
-          <p:nvPr>
-            <p:ph type="title"/>
-          </p:nvPr>
-        </p:nvSpPr>
-        <p:spPr/>
-        <p:txBody>
-          <a:bodyPr/>
-          <a:lstStyle/>
-          <a:p>
-            <a:r>
-              <a:rPr lang="en-US" dirty="0" smtClean="0"/>
-              <a:t>Dictionaries</a:t>
-            </a:r>
-            <a:endParaRPr lang="en-US" dirty="0"/>
-          </a:p>
-        </p:txBody>
-      </p:sp>
-      <p:sp>
-        <p:nvSpPr>
-          <p:cNvPr id="3" name="Content Placeholder 2"/>
-          <p:cNvSpPr>
-            <a:spLocks noGrp="1"/>
-          </p:cNvSpPr>
-          <p:nvPr>
-            <p:ph idx="1"/>
-          </p:nvPr>
-        </p:nvSpPr>
-        <p:spPr/>
-        <p:txBody>
-          <a:bodyPr>
-            <a:normAutofit/>
-          </a:bodyPr>
-          <a:lstStyle/>
-          <a:p>
-            <a:r>
-              <a:rPr lang="mr-IN" dirty="0" err="1">
-                <a:latin typeface="Courier" charset="0"/>
-                <a:ea typeface="Courier" charset="0"/>
-                <a:cs typeface="Courier" charset="0"/>
-              </a:rPr>
-              <a:t>a</a:t>
-            </a:r>
-            <a:r>
-              <a:rPr lang="mr-IN" dirty="0">
-                <a:latin typeface="Courier" charset="0"/>
-                <a:ea typeface="Courier" charset="0"/>
-                <a:cs typeface="Courier" charset="0"/>
-              </a:rPr>
-              <a:t> = {'</a:t>
-            </a:r>
-            <a:r>
-              <a:rPr lang="mr-IN" dirty="0" err="1">
-                <a:latin typeface="Courier" charset="0"/>
-                <a:ea typeface="Courier" charset="0"/>
-                <a:cs typeface="Courier" charset="0"/>
-              </a:rPr>
-              <a:t>name</a:t>
-            </a:r>
-            <a:r>
-              <a:rPr lang="mr-IN" dirty="0">
-                <a:latin typeface="Courier" charset="0"/>
-                <a:ea typeface="Courier" charset="0"/>
-                <a:cs typeface="Courier" charset="0"/>
-              </a:rPr>
-              <a:t>': '</a:t>
-            </a:r>
-            <a:r>
-              <a:rPr lang="mr-IN" dirty="0" err="1">
-                <a:latin typeface="Courier" charset="0"/>
-                <a:ea typeface="Courier" charset="0"/>
-                <a:cs typeface="Courier" charset="0"/>
-              </a:rPr>
-              <a:t>Philipp</a:t>
-            </a:r>
-            <a:r>
-              <a:rPr lang="mr-IN" dirty="0">
-                <a:latin typeface="Courier" charset="0"/>
-                <a:ea typeface="Courier" charset="0"/>
-                <a:cs typeface="Courier" charset="0"/>
-              </a:rPr>
-              <a:t>', '</a:t>
-            </a:r>
-            <a:r>
-              <a:rPr lang="mr-IN" dirty="0" err="1">
-                <a:latin typeface="Courier" charset="0"/>
-                <a:ea typeface="Courier" charset="0"/>
-                <a:cs typeface="Courier" charset="0"/>
-              </a:rPr>
-              <a:t>surname</a:t>
-            </a:r>
-            <a:r>
-              <a:rPr lang="mr-IN" dirty="0">
-                <a:latin typeface="Courier" charset="0"/>
-                <a:ea typeface="Courier" charset="0"/>
-                <a:cs typeface="Courier" charset="0"/>
-              </a:rPr>
-              <a:t>':</a:t>
-            </a:r>
-            <a:r>
-              <a:rPr lang="mr-IN" dirty="0" smtClean="0">
-                <a:latin typeface="Courier" charset="0"/>
-                <a:ea typeface="Courier" charset="0"/>
-                <a:cs typeface="Courier" charset="0"/>
-              </a:rPr>
-              <a:t>'</a:t>
-            </a:r>
-            <a:r>
-              <a:rPr lang="en-US" dirty="0" smtClean="0">
-                <a:latin typeface="Courier" charset="0"/>
-                <a:ea typeface="Courier" charset="0"/>
-                <a:cs typeface="Courier" charset="0"/>
-              </a:rPr>
-              <a:t>Chapkovski</a:t>
-            </a:r>
-            <a:r>
-              <a:rPr lang="mr-IN" dirty="0" smtClean="0">
-                <a:latin typeface="Courier" charset="0"/>
-                <a:ea typeface="Courier" charset="0"/>
-                <a:cs typeface="Courier" charset="0"/>
-              </a:rPr>
-              <a:t>', </a:t>
-            </a:r>
-            <a:r>
-              <a:rPr lang="mr-IN" dirty="0">
-                <a:latin typeface="Courier" charset="0"/>
-                <a:ea typeface="Courier" charset="0"/>
-                <a:cs typeface="Courier" charset="0"/>
-              </a:rPr>
-              <a:t>'</a:t>
-            </a:r>
-            <a:r>
-              <a:rPr lang="mr-IN" dirty="0" err="1">
-                <a:latin typeface="Courier" charset="0"/>
-                <a:ea typeface="Courier" charset="0"/>
-                <a:cs typeface="Courier" charset="0"/>
-              </a:rPr>
-              <a:t>height</a:t>
-            </a:r>
-            <a:r>
-              <a:rPr lang="mr-IN" dirty="0">
-                <a:latin typeface="Courier" charset="0"/>
-                <a:ea typeface="Courier" charset="0"/>
-                <a:cs typeface="Courier" charset="0"/>
-              </a:rPr>
-              <a:t>': </a:t>
-            </a:r>
-            <a:r>
-              <a:rPr lang="mr-IN" dirty="0" smtClean="0">
-                <a:latin typeface="Courier" charset="0"/>
-                <a:ea typeface="Courier" charset="0"/>
-                <a:cs typeface="Courier" charset="0"/>
-              </a:rPr>
-              <a:t>1</a:t>
-            </a:r>
-            <a:r>
-              <a:rPr lang="en-US" dirty="0" smtClean="0">
-                <a:latin typeface="Courier" charset="0"/>
-                <a:ea typeface="Courier" charset="0"/>
-                <a:cs typeface="Courier" charset="0"/>
-              </a:rPr>
-              <a:t>79</a:t>
-            </a:r>
-            <a:r>
-              <a:rPr lang="mr-IN" dirty="0" smtClean="0">
-                <a:latin typeface="Courier" charset="0"/>
-                <a:ea typeface="Courier" charset="0"/>
-                <a:cs typeface="Courier" charset="0"/>
-              </a:rPr>
-              <a:t>}</a:t>
-            </a:r>
-            <a:r>
-              <a:rPr lang="mr-IN" dirty="0">
-                <a:latin typeface="Courier" charset="0"/>
-                <a:ea typeface="Courier" charset="0"/>
-                <a:cs typeface="Courier" charset="0"/>
-              </a:rPr>
-              <a:t/>
-            </a:r>
-            <a:br>
-              <a:rPr lang="mr-IN" dirty="0">
-                <a:latin typeface="Courier" charset="0"/>
-                <a:ea typeface="Courier" charset="0"/>
-                <a:cs typeface="Courier" charset="0"/>
-              </a:rPr>
-            </a:br>
-            <a:endParaRPr lang="en-US" dirty="0" smtClean="0">
-              <a:latin typeface="Courier" charset="0"/>
-              <a:ea typeface="Courier" charset="0"/>
-              <a:cs typeface="Courier" charset="0"/>
-            </a:endParaRPr>
-          </a:p>
-          <a:p>
-            <a:r>
-              <a:rPr lang="en-US" dirty="0" smtClean="0">
-                <a:latin typeface="Courier" charset="0"/>
-                <a:ea typeface="Courier" charset="0"/>
-                <a:cs typeface="Courier" charset="0"/>
-              </a:rPr>
-              <a:t>print(a['name'])</a:t>
-            </a:r>
-          </a:p>
-          <a:p>
-            <a:r>
-              <a:rPr lang="en-US" dirty="0" smtClean="0">
-                <a:latin typeface="Courier" charset="0"/>
-                <a:ea typeface="Courier" charset="0"/>
-                <a:cs typeface="Courier" charset="0"/>
-              </a:rPr>
-              <a:t>a['height']=180</a:t>
-            </a:r>
-          </a:p>
-          <a:p>
-            <a:r>
-              <a:rPr lang="en-US" dirty="0" smtClean="0">
-                <a:latin typeface="Courier" charset="0"/>
-                <a:ea typeface="Courier" charset="0"/>
-                <a:cs typeface="Courier" charset="0"/>
-              </a:rPr>
-              <a:t>a['Nationality'] = 'Russian'</a:t>
-            </a:r>
-          </a:p>
-          <a:p>
-            <a:r>
-              <a:rPr lang="mr-IN" dirty="0">
-                <a:latin typeface="Courier" charset="0"/>
-                <a:ea typeface="Courier" charset="0"/>
-                <a:cs typeface="Courier" charset="0"/>
-              </a:rPr>
-              <a:t/>
-            </a:r>
-            <a:br>
-              <a:rPr lang="mr-IN" dirty="0">
-                <a:latin typeface="Courier" charset="0"/>
-                <a:ea typeface="Courier" charset="0"/>
-                <a:cs typeface="Courier" charset="0"/>
-              </a:rPr>
-            </a:br>
-            <a:r>
-              <a:rPr lang="en-US" dirty="0" err="1" smtClean="0">
-                <a:latin typeface="Courier" charset="0"/>
-                <a:ea typeface="Courier" charset="0"/>
-                <a:cs typeface="Courier" charset="0"/>
-              </a:rPr>
-              <a:t>a.items</a:t>
-            </a:r>
-            <a:r>
-              <a:rPr lang="en-US" dirty="0" smtClean="0">
-                <a:latin typeface="Courier" charset="0"/>
-                <a:ea typeface="Courier" charset="0"/>
-                <a:cs typeface="Courier" charset="0"/>
-              </a:rPr>
-              <a:t>(), </a:t>
-            </a:r>
-            <a:r>
-              <a:rPr lang="en-US" dirty="0" err="1" smtClean="0">
-                <a:latin typeface="Courier" charset="0"/>
-                <a:ea typeface="Courier" charset="0"/>
-                <a:cs typeface="Courier" charset="0"/>
-              </a:rPr>
-              <a:t>a.keys</a:t>
-            </a:r>
-            <a:r>
-              <a:rPr lang="en-US" dirty="0" smtClean="0">
-                <a:latin typeface="Courier" charset="0"/>
-                <a:ea typeface="Courier" charset="0"/>
-                <a:cs typeface="Courier" charset="0"/>
-              </a:rPr>
-              <a:t>(), </a:t>
-            </a:r>
-            <a:r>
-              <a:rPr lang="en-US" dirty="0" err="1" smtClean="0">
-                <a:latin typeface="Courier" charset="0"/>
-                <a:ea typeface="Courier" charset="0"/>
-                <a:cs typeface="Courier" charset="0"/>
-              </a:rPr>
-              <a:t>a.values</a:t>
-            </a:r>
-            <a:r>
-              <a:rPr lang="en-US" dirty="0" smtClean="0">
-                <a:latin typeface="Courier" charset="0"/>
-                <a:ea typeface="Courier" charset="0"/>
-                <a:cs typeface="Courier" charset="0"/>
-              </a:rPr>
-              <a:t>()</a:t>
-            </a:r>
-          </a:p>
-          <a:p>
-            <a:r>
-              <a:rPr lang="en-US" dirty="0" err="1" smtClean="0">
-                <a:latin typeface="Courier" charset="0"/>
-                <a:ea typeface="Courier" charset="0"/>
-                <a:cs typeface="Courier" charset="0"/>
-              </a:rPr>
-              <a:t>Dicts</a:t>
-            </a:r>
-            <a:r>
-              <a:rPr lang="en-US" smtClean="0">
-                <a:latin typeface="Courier" charset="0"/>
-                <a:ea typeface="Courier" charset="0"/>
-                <a:cs typeface="Courier" charset="0"/>
-              </a:rPr>
-              <a:t> are </a:t>
-            </a:r>
-            <a:r>
-              <a:rPr lang="en-US" b="1" smtClean="0">
-                <a:latin typeface="Courier" charset="0"/>
-                <a:ea typeface="Courier" charset="0"/>
-                <a:cs typeface="Courier" charset="0"/>
-              </a:rPr>
-              <a:t>mutable</a:t>
-            </a:r>
-            <a:r>
-              <a:rPr lang="en-US" dirty="0" smtClean="0">
-                <a:latin typeface="Courier" charset="0"/>
-                <a:ea typeface="Courier" charset="0"/>
-                <a:cs typeface="Courier" charset="0"/>
-              </a:rPr>
-              <a:t>!</a:t>
-            </a:r>
-            <a:endParaRPr lang="en-US" dirty="0">
-              <a:latin typeface="Courier" charset="0"/>
-              <a:ea typeface="Courier" charset="0"/>
-              <a:cs typeface="Courier" charset="0"/>
-            </a:endParaRPr>
-          </a:p>
-          <a:p>
-            <a:endParaRPr lang="en-US" dirty="0" smtClean="0">
-              <a:latin typeface="Courier" charset="0"/>
-              <a:ea typeface="Courier" charset="0"/>
-              <a:cs typeface="Courier" charset="0"/>
-            </a:endParaRPr>
-          </a:p>
-        </p:txBody>
-      </p:sp>
-    </p:spTree>
-    <p:extLst>
-      <p:ext uri="{BB962C8B-B14F-4D97-AF65-F5344CB8AC3E}">
-        <p14:creationId xmlns:p14="http://schemas.microsoft.com/office/powerpoint/2010/main" val="600234069"/>
-      </p:ext>
-    </p:extLst>
-  </p:cSld>
-  <p:clrMapOvr>
-    <a:masterClrMapping/>
-  </p:clrMapOvr>
-  <p:timing>
-    <p:tnLst>
-      <p:par>
-        <p:cTn id="1" dur="indefinite" restart="never" nodeType="tmRoot"/>
-      </p:par>
-    </p:tnLst>
-  </p:timing>
-</p:sld>
-</file>
-
 <file path=ppt/slides/slide9.xml><?xml version="1.0" encoding="utf-8"?>
 <p:sld xmlns:a="http://schemas.openxmlformats.org/drawingml/2006/main" xmlns:r="http://schemas.openxmlformats.org/officeDocument/2006/relationships" xmlns:p="http://schemas.openxmlformats.org/presentationml/2006/main">
   <p:cSld>
@@ -7888,7 +8332,7 @@
           <a:p>
             <a:r>
               <a:rPr lang="en-US" dirty="0" smtClean="0"/>
-              <a:t>Functions</a:t>
+              <a:t>Dictionaries</a:t>
             </a:r>
             <a:endParaRPr lang="en-US" dirty="0"/>
           </a:p>
@@ -7907,557 +8351,306 @@
         <p:spPr/>
         <p:txBody>
           <a:bodyPr>
-            <a:normAutofit fontScale="62500" lnSpcReduction="20000"/>
+            <a:normAutofit/>
           </a:bodyPr>
           <a:lstStyle/>
           <a:p>
-            <a:pPr marL="0" indent="0">
-              <a:buNone/>
-            </a:pPr>
-            <a:r>
-              <a:rPr lang="en-US" dirty="0" err="1">
-                <a:latin typeface="Courier New" charset="0"/>
-                <a:ea typeface="Courier New" charset="0"/>
-                <a:cs typeface="Courier New" charset="0"/>
-              </a:rPr>
-              <a:t>price_per_square</a:t>
-            </a:r>
-            <a:r>
-              <a:rPr lang="en-US" dirty="0">
-                <a:latin typeface="Courier New" charset="0"/>
-                <a:ea typeface="Courier New" charset="0"/>
-                <a:cs typeface="Courier New" charset="0"/>
-              </a:rPr>
-              <a:t> = </a:t>
+            <a:r>
+              <a:rPr lang="mr-IN" dirty="0" err="1">
+                <a:latin typeface="Courier" charset="0"/>
+                <a:ea typeface="Courier" charset="0"/>
+                <a:cs typeface="Courier" charset="0"/>
+              </a:rPr>
+              <a:t>a</a:t>
+            </a:r>
+            <a:r>
+              <a:rPr lang="mr-IN" dirty="0">
+                <a:latin typeface="Courier" charset="0"/>
+                <a:ea typeface="Courier" charset="0"/>
+                <a:cs typeface="Courier" charset="0"/>
+              </a:rPr>
+              <a:t> = {'</a:t>
+            </a:r>
+            <a:r>
+              <a:rPr lang="mr-IN" dirty="0" err="1">
+                <a:latin typeface="Courier" charset="0"/>
+                <a:ea typeface="Courier" charset="0"/>
+                <a:cs typeface="Courier" charset="0"/>
+              </a:rPr>
+              <a:t>name</a:t>
+            </a:r>
+            <a:r>
+              <a:rPr lang="mr-IN" dirty="0">
+                <a:latin typeface="Courier" charset="0"/>
+                <a:ea typeface="Courier" charset="0"/>
+                <a:cs typeface="Courier" charset="0"/>
+              </a:rPr>
+              <a:t>': '</a:t>
+            </a:r>
+            <a:r>
+              <a:rPr lang="mr-IN" dirty="0" err="1">
+                <a:latin typeface="Courier" charset="0"/>
+                <a:ea typeface="Courier" charset="0"/>
+                <a:cs typeface="Courier" charset="0"/>
+              </a:rPr>
+              <a:t>Philipp</a:t>
+            </a:r>
+            <a:r>
+              <a:rPr lang="mr-IN" dirty="0">
+                <a:latin typeface="Courier" charset="0"/>
+                <a:ea typeface="Courier" charset="0"/>
+                <a:cs typeface="Courier" charset="0"/>
+              </a:rPr>
+              <a:t>', '</a:t>
+            </a:r>
+            <a:r>
+              <a:rPr lang="mr-IN" dirty="0" err="1">
+                <a:latin typeface="Courier" charset="0"/>
+                <a:ea typeface="Courier" charset="0"/>
+                <a:cs typeface="Courier" charset="0"/>
+              </a:rPr>
+              <a:t>surname</a:t>
+            </a:r>
+            <a:r>
+              <a:rPr lang="mr-IN" dirty="0">
+                <a:latin typeface="Courier" charset="0"/>
+                <a:ea typeface="Courier" charset="0"/>
+                <a:cs typeface="Courier" charset="0"/>
+              </a:rPr>
+              <a:t>':</a:t>
+            </a:r>
+            <a:r>
+              <a:rPr lang="mr-IN" dirty="0" smtClean="0">
+                <a:latin typeface="Courier" charset="0"/>
+                <a:ea typeface="Courier" charset="0"/>
+                <a:cs typeface="Courier" charset="0"/>
+              </a:rPr>
+              <a:t>'</a:t>
             </a:r>
             <a:r>
               <a:rPr lang="en-US" dirty="0" smtClean="0">
-                <a:latin typeface="Courier New" charset="0"/>
-                <a:ea typeface="Courier New" charset="0"/>
-                <a:cs typeface="Courier New" charset="0"/>
-              </a:rPr>
-              <a:t>100 </a:t>
-            </a:r>
-            <a:r>
-              <a:rPr lang="en-US" dirty="0">
-                <a:latin typeface="Courier New" charset="0"/>
-                <a:ea typeface="Courier New" charset="0"/>
-                <a:cs typeface="Courier New" charset="0"/>
+                <a:latin typeface="Courier" charset="0"/>
+                <a:ea typeface="Courier" charset="0"/>
+                <a:cs typeface="Courier" charset="0"/>
+              </a:rPr>
+              <a:t>Chapkovski</a:t>
+            </a:r>
+            <a:r>
+              <a:rPr lang="mr-IN" dirty="0" smtClean="0">
+                <a:latin typeface="Courier" charset="0"/>
+                <a:ea typeface="Courier" charset="0"/>
+                <a:cs typeface="Courier" charset="0"/>
+              </a:rPr>
+              <a:t>', </a:t>
+            </a:r>
+            <a:r>
+              <a:rPr lang="mr-IN" dirty="0">
+                <a:latin typeface="Courier" charset="0"/>
+                <a:ea typeface="Courier" charset="0"/>
+                <a:cs typeface="Courier" charset="0"/>
+              </a:rPr>
+              <a:t>'</a:t>
+            </a:r>
+            <a:r>
+              <a:rPr lang="mr-IN" dirty="0" err="1">
+                <a:latin typeface="Courier" charset="0"/>
+                <a:ea typeface="Courier" charset="0"/>
+                <a:cs typeface="Courier" charset="0"/>
+              </a:rPr>
+              <a:t>height</a:t>
+            </a:r>
+            <a:r>
+              <a:rPr lang="mr-IN" dirty="0">
+                <a:latin typeface="Courier" charset="0"/>
+                <a:ea typeface="Courier" charset="0"/>
+                <a:cs typeface="Courier" charset="0"/>
+              </a:rPr>
+              <a:t>': </a:t>
+            </a:r>
+            <a:r>
+              <a:rPr lang="mr-IN" dirty="0" smtClean="0">
+                <a:latin typeface="Courier" charset="0"/>
+                <a:ea typeface="Courier" charset="0"/>
+                <a:cs typeface="Courier" charset="0"/>
+              </a:rPr>
+              <a:t>1</a:t>
+            </a:r>
+            <a:r>
+              <a:rPr lang="en-US" dirty="0" smtClean="0">
+                <a:latin typeface="Courier" charset="0"/>
+                <a:ea typeface="Courier" charset="0"/>
+                <a:cs typeface="Courier" charset="0"/>
+              </a:rPr>
+              <a:t>79</a:t>
+            </a:r>
+            <a:r>
+              <a:rPr lang="mr-IN" dirty="0" smtClean="0">
+                <a:latin typeface="Courier" charset="0"/>
+                <a:ea typeface="Courier" charset="0"/>
+                <a:cs typeface="Courier" charset="0"/>
+              </a:rPr>
+              <a:t>}</a:t>
+            </a:r>
+            <a:r>
+              <a:rPr lang="mr-IN" dirty="0">
+                <a:latin typeface="Courier" charset="0"/>
+                <a:ea typeface="Courier" charset="0"/>
+                <a:cs typeface="Courier" charset="0"/>
               </a:rPr>
               <a:t/>
             </a:r>
             <a:br>
-              <a:rPr lang="en-US" dirty="0">
-                <a:latin typeface="Courier New" charset="0"/>
-                <a:ea typeface="Courier New" charset="0"/>
-                <a:cs typeface="Courier New" charset="0"/>
+              <a:rPr lang="mr-IN" dirty="0">
+                <a:latin typeface="Courier" charset="0"/>
+                <a:ea typeface="Courier" charset="0"/>
+                <a:cs typeface="Courier" charset="0"/>
               </a:rPr>
             </a:br>
-            <a:r>
-              <a:rPr lang="en-US" dirty="0" err="1">
-                <a:latin typeface="Courier New" charset="0"/>
-                <a:ea typeface="Courier New" charset="0"/>
-                <a:cs typeface="Courier New" charset="0"/>
-              </a:rPr>
-              <a:t>garden_price</a:t>
-            </a:r>
-            <a:r>
-              <a:rPr lang="en-US" dirty="0">
-                <a:latin typeface="Courier New" charset="0"/>
-                <a:ea typeface="Courier New" charset="0"/>
-                <a:cs typeface="Courier New" charset="0"/>
-              </a:rPr>
-              <a:t> = </a:t>
-            </a:r>
+            <a:endParaRPr lang="en-US" dirty="0" smtClean="0">
+              <a:latin typeface="Courier" charset="0"/>
+              <a:ea typeface="Courier" charset="0"/>
+              <a:cs typeface="Courier" charset="0"/>
+            </a:endParaRPr>
+          </a:p>
+          <a:p>
             <a:r>
               <a:rPr lang="en-US" dirty="0" smtClean="0">
-                <a:latin typeface="Courier New" charset="0"/>
-                <a:ea typeface="Courier New" charset="0"/>
-                <a:cs typeface="Courier New" charset="0"/>
-              </a:rPr>
-              <a:t>1000 </a:t>
-            </a:r>
-            <a:r>
-              <a:rPr lang="en-US" dirty="0">
-                <a:latin typeface="Courier New" charset="0"/>
-                <a:ea typeface="Courier New" charset="0"/>
-                <a:cs typeface="Courier New" charset="0"/>
+                <a:latin typeface="Courier" charset="0"/>
+                <a:ea typeface="Courier" charset="0"/>
+                <a:cs typeface="Courier" charset="0"/>
+              </a:rPr>
+              <a:t>print(a['name'])</a:t>
+            </a:r>
+          </a:p>
+          <a:p>
+            <a:r>
+              <a:rPr lang="en-US" dirty="0" smtClean="0">
+                <a:latin typeface="Courier" charset="0"/>
+                <a:ea typeface="Courier" charset="0"/>
+                <a:cs typeface="Courier" charset="0"/>
+              </a:rPr>
+              <a:t>a['height']=180</a:t>
+            </a:r>
+          </a:p>
+          <a:p>
+            <a:r>
+              <a:rPr lang="en-US" dirty="0" smtClean="0">
+                <a:latin typeface="Courier" charset="0"/>
+                <a:ea typeface="Courier" charset="0"/>
+                <a:cs typeface="Courier" charset="0"/>
+              </a:rPr>
+              <a:t>a['Nationality'] = 'Russian'</a:t>
+            </a:r>
+          </a:p>
+          <a:p>
+            <a:r>
+              <a:rPr lang="mr-IN" dirty="0">
+                <a:latin typeface="Courier" charset="0"/>
+                <a:ea typeface="Courier" charset="0"/>
+                <a:cs typeface="Courier" charset="0"/>
               </a:rPr>
               <a:t/>
             </a:r>
             <a:br>
-              <a:rPr lang="en-US" dirty="0">
-                <a:latin typeface="Courier New" charset="0"/>
-                <a:ea typeface="Courier New" charset="0"/>
-                <a:cs typeface="Courier New" charset="0"/>
+              <a:rPr lang="mr-IN" dirty="0">
+                <a:latin typeface="Courier" charset="0"/>
+                <a:ea typeface="Courier" charset="0"/>
+                <a:cs typeface="Courier" charset="0"/>
               </a:rPr>
             </a:br>
             <a:r>
-              <a:rPr lang="en-US" dirty="0">
-                <a:latin typeface="Courier New" charset="0"/>
-                <a:ea typeface="Courier New" charset="0"/>
-                <a:cs typeface="Courier New" charset="0"/>
-              </a:rPr>
-              <a:t/>
-            </a:r>
-            <a:br>
-              <a:rPr lang="en-US" dirty="0">
-                <a:latin typeface="Courier New" charset="0"/>
-                <a:ea typeface="Courier New" charset="0"/>
-                <a:cs typeface="Courier New" charset="0"/>
-              </a:rPr>
-            </a:br>
-            <a:r>
-              <a:rPr lang="en-US" dirty="0" err="1">
-                <a:latin typeface="Courier New" charset="0"/>
-                <a:ea typeface="Courier New" charset="0"/>
-                <a:cs typeface="Courier New" charset="0"/>
-              </a:rPr>
-              <a:t>def</a:t>
-            </a:r>
-            <a:r>
-              <a:rPr lang="en-US" dirty="0">
-                <a:latin typeface="Courier New" charset="0"/>
-                <a:ea typeface="Courier New" charset="0"/>
-                <a:cs typeface="Courier New" charset="0"/>
-              </a:rPr>
-              <a:t> </a:t>
-            </a:r>
-            <a:r>
-              <a:rPr lang="en-US" dirty="0" err="1">
-                <a:latin typeface="Courier New" charset="0"/>
-                <a:ea typeface="Courier New" charset="0"/>
-                <a:cs typeface="Courier New" charset="0"/>
-              </a:rPr>
-              <a:t>house_price</a:t>
-            </a:r>
-            <a:r>
-              <a:rPr lang="en-US" dirty="0">
-                <a:latin typeface="Courier New" charset="0"/>
-                <a:ea typeface="Courier New" charset="0"/>
-                <a:cs typeface="Courier New" charset="0"/>
-              </a:rPr>
-              <a:t>(length, width</a:t>
+              <a:rPr lang="en-US" dirty="0" err="1" smtClean="0">
+                <a:latin typeface="Courier" charset="0"/>
+                <a:ea typeface="Courier" charset="0"/>
+                <a:cs typeface="Courier" charset="0"/>
+              </a:rPr>
+              <a:t>a.items</a:t>
             </a:r>
             <a:r>
               <a:rPr lang="en-US" dirty="0" smtClean="0">
-                <a:latin typeface="Courier New" charset="0"/>
-                <a:ea typeface="Courier New" charset="0"/>
-                <a:cs typeface="Courier New" charset="0"/>
-              </a:rPr>
-              <a:t>): </a:t>
-            </a:r>
-            <a:r>
-              <a:rPr lang="en-US" dirty="0">
-                <a:latin typeface="Courier New" charset="0"/>
-                <a:ea typeface="Courier New" charset="0"/>
-                <a:cs typeface="Courier New" charset="0"/>
-              </a:rPr>
-              <a:t/>
-            </a:r>
-            <a:br>
-              <a:rPr lang="en-US" dirty="0">
-                <a:latin typeface="Courier New" charset="0"/>
-                <a:ea typeface="Courier New" charset="0"/>
-                <a:cs typeface="Courier New" charset="0"/>
-              </a:rPr>
-            </a:br>
-            <a:r>
-              <a:rPr lang="en-US" dirty="0">
-                <a:latin typeface="Courier New" charset="0"/>
-                <a:ea typeface="Courier New" charset="0"/>
-                <a:cs typeface="Courier New" charset="0"/>
-              </a:rPr>
-              <a:t>    space = length * </a:t>
+                <a:latin typeface="Courier" charset="0"/>
+                <a:ea typeface="Courier" charset="0"/>
+                <a:cs typeface="Courier" charset="0"/>
+              </a:rPr>
+              <a:t>(), </a:t>
+            </a:r>
+            <a:r>
+              <a:rPr lang="en-US" dirty="0" err="1" smtClean="0">
+                <a:latin typeface="Courier" charset="0"/>
+                <a:ea typeface="Courier" charset="0"/>
+                <a:cs typeface="Courier" charset="0"/>
+              </a:rPr>
+              <a:t>a.keys</a:t>
             </a:r>
             <a:r>
               <a:rPr lang="en-US" dirty="0" smtClean="0">
-                <a:latin typeface="Courier New" charset="0"/>
-                <a:ea typeface="Courier New" charset="0"/>
-                <a:cs typeface="Courier New" charset="0"/>
-              </a:rPr>
-              <a:t>width </a:t>
-            </a:r>
-            <a:r>
-              <a:rPr lang="en-US" dirty="0">
-                <a:latin typeface="Courier New" charset="0"/>
-                <a:ea typeface="Courier New" charset="0"/>
-                <a:cs typeface="Courier New" charset="0"/>
-              </a:rPr>
-              <a:t/>
-            </a:r>
-            <a:br>
-              <a:rPr lang="en-US" dirty="0">
-                <a:latin typeface="Courier New" charset="0"/>
-                <a:ea typeface="Courier New" charset="0"/>
-                <a:cs typeface="Courier New" charset="0"/>
-              </a:rPr>
-            </a:br>
-            <a:r>
-              <a:rPr lang="en-US" dirty="0">
-                <a:latin typeface="Courier New" charset="0"/>
-                <a:ea typeface="Courier New" charset="0"/>
-                <a:cs typeface="Courier New" charset="0"/>
-              </a:rPr>
-              <a:t>    return space * </a:t>
-            </a:r>
-            <a:r>
-              <a:rPr lang="en-US" dirty="0" err="1">
-                <a:latin typeface="Courier New" charset="0"/>
-                <a:ea typeface="Courier New" charset="0"/>
-                <a:cs typeface="Courier New" charset="0"/>
-              </a:rPr>
-              <a:t>price_per_square</a:t>
-            </a:r>
-            <a:r>
-              <a:rPr lang="en-US" dirty="0">
-                <a:latin typeface="Courier New" charset="0"/>
-                <a:ea typeface="Courier New" charset="0"/>
-                <a:cs typeface="Courier New" charset="0"/>
-              </a:rPr>
-              <a:t/>
-            </a:r>
-            <a:br>
-              <a:rPr lang="en-US" dirty="0">
-                <a:latin typeface="Courier New" charset="0"/>
-                <a:ea typeface="Courier New" charset="0"/>
-                <a:cs typeface="Courier New" charset="0"/>
-              </a:rPr>
-            </a:br>
-            <a:r>
-              <a:rPr lang="en-US" dirty="0">
-                <a:latin typeface="Courier New" charset="0"/>
-                <a:ea typeface="Courier New" charset="0"/>
-                <a:cs typeface="Courier New" charset="0"/>
-              </a:rPr>
-              <a:t/>
-            </a:r>
-            <a:br>
-              <a:rPr lang="en-US" dirty="0">
-                <a:latin typeface="Courier New" charset="0"/>
-                <a:ea typeface="Courier New" charset="0"/>
-                <a:cs typeface="Courier New" charset="0"/>
-              </a:rPr>
-            </a:br>
-            <a:r>
-              <a:rPr lang="en-US" dirty="0" err="1">
-                <a:latin typeface="Courier New" charset="0"/>
-                <a:ea typeface="Courier New" charset="0"/>
-                <a:cs typeface="Courier New" charset="0"/>
-              </a:rPr>
-              <a:t>def</a:t>
-            </a:r>
-            <a:r>
-              <a:rPr lang="en-US" dirty="0">
-                <a:latin typeface="Courier New" charset="0"/>
-                <a:ea typeface="Courier New" charset="0"/>
-                <a:cs typeface="Courier New" charset="0"/>
-              </a:rPr>
-              <a:t> </a:t>
-            </a:r>
-            <a:r>
-              <a:rPr lang="en-US" dirty="0" err="1">
-                <a:latin typeface="Courier New" charset="0"/>
-                <a:ea typeface="Courier New" charset="0"/>
-                <a:cs typeface="Courier New" charset="0"/>
-              </a:rPr>
-              <a:t>elite_house_price</a:t>
-            </a:r>
-            <a:r>
-              <a:rPr lang="en-US" dirty="0">
-                <a:latin typeface="Courier New" charset="0"/>
-                <a:ea typeface="Courier New" charset="0"/>
-                <a:cs typeface="Courier New" charset="0"/>
-              </a:rPr>
-              <a:t>(length, width</a:t>
+                <a:latin typeface="Courier" charset="0"/>
+                <a:ea typeface="Courier" charset="0"/>
+                <a:cs typeface="Courier" charset="0"/>
+              </a:rPr>
+              <a:t>(), </a:t>
+            </a:r>
+            <a:r>
+              <a:rPr lang="en-US" dirty="0" err="1" smtClean="0">
+                <a:latin typeface="Courier" charset="0"/>
+                <a:ea typeface="Courier" charset="0"/>
+                <a:cs typeface="Courier" charset="0"/>
+              </a:rPr>
+              <a:t>a.values</a:t>
             </a:r>
             <a:r>
               <a:rPr lang="en-US" dirty="0" smtClean="0">
-                <a:latin typeface="Courier New" charset="0"/>
-                <a:ea typeface="Courier New" charset="0"/>
-                <a:cs typeface="Courier New" charset="0"/>
-              </a:rPr>
-              <a:t>): </a:t>
-            </a:r>
-            <a:r>
-              <a:rPr lang="en-US" dirty="0">
-                <a:latin typeface="Courier New" charset="0"/>
-                <a:ea typeface="Courier New" charset="0"/>
-                <a:cs typeface="Courier New" charset="0"/>
-              </a:rPr>
-              <a:t/>
-            </a:r>
-            <a:br>
-              <a:rPr lang="en-US" dirty="0">
-                <a:latin typeface="Courier New" charset="0"/>
-                <a:ea typeface="Courier New" charset="0"/>
-                <a:cs typeface="Courier New" charset="0"/>
-              </a:rPr>
-            </a:br>
-            <a:r>
-              <a:rPr lang="en-US" dirty="0">
-                <a:latin typeface="Courier New" charset="0"/>
-                <a:ea typeface="Courier New" charset="0"/>
-                <a:cs typeface="Courier New" charset="0"/>
-              </a:rPr>
-              <a:t>    space = length * </a:t>
+                <a:latin typeface="Courier" charset="0"/>
+                <a:ea typeface="Courier" charset="0"/>
+                <a:cs typeface="Courier" charset="0"/>
+              </a:rPr>
+              <a:t>()</a:t>
+            </a:r>
+          </a:p>
+          <a:p>
+            <a:r>
+              <a:rPr lang="en-US" dirty="0" err="1" smtClean="0">
+                <a:latin typeface="Courier" charset="0"/>
+                <a:ea typeface="Courier" charset="0"/>
+                <a:cs typeface="Courier" charset="0"/>
+              </a:rPr>
+              <a:t>Dicts</a:t>
+            </a:r>
+            <a:r>
+              <a:rPr lang="en-US" smtClean="0">
+                <a:latin typeface="Courier" charset="0"/>
+                <a:ea typeface="Courier" charset="0"/>
+                <a:cs typeface="Courier" charset="0"/>
+              </a:rPr>
+              <a:t> are </a:t>
+            </a:r>
+            <a:r>
+              <a:rPr lang="en-US" b="1" smtClean="0">
+                <a:latin typeface="Courier" charset="0"/>
+                <a:ea typeface="Courier" charset="0"/>
+                <a:cs typeface="Courier" charset="0"/>
+              </a:rPr>
+              <a:t>mutable</a:t>
             </a:r>
             <a:r>
               <a:rPr lang="en-US" dirty="0" smtClean="0">
-                <a:latin typeface="Courier New" charset="0"/>
-                <a:ea typeface="Courier New" charset="0"/>
-                <a:cs typeface="Courier New" charset="0"/>
-              </a:rPr>
-              <a:t>width </a:t>
-            </a:r>
-            <a:r>
-              <a:rPr lang="en-US" dirty="0">
-                <a:latin typeface="Courier New" charset="0"/>
-                <a:ea typeface="Courier New" charset="0"/>
-                <a:cs typeface="Courier New" charset="0"/>
-              </a:rPr>
-              <a:t/>
-            </a:r>
-            <a:br>
-              <a:rPr lang="en-US" dirty="0">
-                <a:latin typeface="Courier New" charset="0"/>
-                <a:ea typeface="Courier New" charset="0"/>
-                <a:cs typeface="Courier New" charset="0"/>
-              </a:rPr>
-            </a:br>
-            <a:r>
-              <a:rPr lang="en-US" dirty="0">
-                <a:latin typeface="Courier New" charset="0"/>
-                <a:ea typeface="Courier New" charset="0"/>
-                <a:cs typeface="Courier New" charset="0"/>
-              </a:rPr>
-              <a:t>    return space * </a:t>
-            </a:r>
-            <a:r>
-              <a:rPr lang="en-US" dirty="0" err="1">
-                <a:latin typeface="Courier New" charset="0"/>
-                <a:ea typeface="Courier New" charset="0"/>
-                <a:cs typeface="Courier New" charset="0"/>
-              </a:rPr>
-              <a:t>price_per_square</a:t>
-            </a:r>
-            <a:r>
-              <a:rPr lang="en-US" dirty="0">
-                <a:latin typeface="Courier New" charset="0"/>
-                <a:ea typeface="Courier New" charset="0"/>
-                <a:cs typeface="Courier New" charset="0"/>
-              </a:rPr>
-              <a:t> + </a:t>
-            </a:r>
-            <a:r>
-              <a:rPr lang="en-US" dirty="0" err="1">
-                <a:latin typeface="Courier New" charset="0"/>
-                <a:ea typeface="Courier New" charset="0"/>
-                <a:cs typeface="Courier New" charset="0"/>
-              </a:rPr>
-              <a:t>garden_price</a:t>
-            </a:r>
-            <a:r>
-              <a:rPr lang="en-US" dirty="0">
-                <a:latin typeface="Courier New" charset="0"/>
-                <a:ea typeface="Courier New" charset="0"/>
-                <a:cs typeface="Courier New" charset="0"/>
-              </a:rPr>
-              <a:t/>
-            </a:r>
-            <a:br>
-              <a:rPr lang="en-US" dirty="0">
-                <a:latin typeface="Courier New" charset="0"/>
-                <a:ea typeface="Courier New" charset="0"/>
-                <a:cs typeface="Courier New" charset="0"/>
-              </a:rPr>
-            </a:br>
-            <a:r>
-              <a:rPr lang="en-US" dirty="0">
-                <a:latin typeface="Courier New" charset="0"/>
-                <a:ea typeface="Courier New" charset="0"/>
-                <a:cs typeface="Courier New" charset="0"/>
-              </a:rPr>
-              <a:t/>
-            </a:r>
-            <a:br>
-              <a:rPr lang="en-US" dirty="0">
-                <a:latin typeface="Courier New" charset="0"/>
-                <a:ea typeface="Courier New" charset="0"/>
-                <a:cs typeface="Courier New" charset="0"/>
-              </a:rPr>
-            </a:br>
-            <a:r>
-              <a:rPr lang="en-US" dirty="0">
-                <a:latin typeface="Courier New" charset="0"/>
-                <a:ea typeface="Courier New" charset="0"/>
-                <a:cs typeface="Courier New" charset="0"/>
-              </a:rPr>
-              <a:t/>
-            </a:r>
-            <a:br>
-              <a:rPr lang="en-US" dirty="0">
-                <a:latin typeface="Courier New" charset="0"/>
-                <a:ea typeface="Courier New" charset="0"/>
-                <a:cs typeface="Courier New" charset="0"/>
-              </a:rPr>
-            </a:br>
-            <a:r>
-              <a:rPr lang="en-US" dirty="0" err="1" smtClean="0">
-                <a:latin typeface="Courier New" charset="0"/>
-                <a:ea typeface="Courier New" charset="0"/>
-                <a:cs typeface="Courier New" charset="0"/>
-              </a:rPr>
-              <a:t>my_house_price</a:t>
-            </a:r>
-            <a:r>
-              <a:rPr lang="en-US" dirty="0" smtClean="0">
-                <a:latin typeface="Courier New" charset="0"/>
-                <a:ea typeface="Courier New" charset="0"/>
-                <a:cs typeface="Courier New" charset="0"/>
-              </a:rPr>
-              <a:t> = </a:t>
-            </a:r>
-            <a:r>
-              <a:rPr lang="en-US" dirty="0" err="1" smtClean="0">
-                <a:latin typeface="Courier New" charset="0"/>
-                <a:ea typeface="Courier New" charset="0"/>
-                <a:cs typeface="Courier New" charset="0"/>
-              </a:rPr>
-              <a:t>house_price</a:t>
-            </a:r>
-            <a:r>
-              <a:rPr lang="en-US" dirty="0" smtClean="0">
-                <a:latin typeface="Courier New" charset="0"/>
-                <a:ea typeface="Courier New" charset="0"/>
-                <a:cs typeface="Courier New" charset="0"/>
-              </a:rPr>
-              <a:t>(10,20)</a:t>
-            </a:r>
-          </a:p>
-          <a:p>
-            <a:pPr marL="0" indent="0">
-              <a:buNone/>
-            </a:pPr>
-            <a:r>
-              <a:rPr lang="en-US" dirty="0" err="1" smtClean="0">
-                <a:latin typeface="Courier New" charset="0"/>
-                <a:ea typeface="Courier New" charset="0"/>
-                <a:cs typeface="Courier New" charset="0"/>
-              </a:rPr>
-              <a:t>trump_house_price</a:t>
-            </a:r>
-            <a:r>
-              <a:rPr lang="en-US" dirty="0" smtClean="0">
-                <a:latin typeface="Courier New" charset="0"/>
-                <a:ea typeface="Courier New" charset="0"/>
-                <a:cs typeface="Courier New" charset="0"/>
-              </a:rPr>
-              <a:t> = </a:t>
-            </a:r>
-            <a:r>
-              <a:rPr lang="en-US" dirty="0" err="1" smtClean="0">
-                <a:latin typeface="Courier New" charset="0"/>
-                <a:ea typeface="Courier New" charset="0"/>
-                <a:cs typeface="Courier New" charset="0"/>
-              </a:rPr>
-              <a:t>elite_house_price</a:t>
-            </a:r>
-            <a:r>
-              <a:rPr lang="en-US" dirty="0" smtClean="0">
-                <a:latin typeface="Courier New" charset="0"/>
-                <a:ea typeface="Courier New" charset="0"/>
-                <a:cs typeface="Courier New" charset="0"/>
-              </a:rPr>
-              <a:t>(100,200)</a:t>
-            </a:r>
-          </a:p>
-          <a:p>
-            <a:pPr marL="0" indent="0">
-              <a:buNone/>
-            </a:pPr>
-            <a:r>
-              <a:rPr lang="en-US" dirty="0">
-                <a:latin typeface="Courier New" charset="0"/>
-                <a:ea typeface="Courier New" charset="0"/>
-                <a:cs typeface="Courier New" charset="0"/>
-              </a:rPr>
-              <a:t> </a:t>
-            </a:r>
+                <a:latin typeface="Courier" charset="0"/>
+                <a:ea typeface="Courier" charset="0"/>
+                <a:cs typeface="Courier" charset="0"/>
+              </a:rPr>
+              <a:t>!</a:t>
+            </a:r>
+            <a:endParaRPr lang="en-US" dirty="0">
+              <a:latin typeface="Courier" charset="0"/>
+              <a:ea typeface="Courier" charset="0"/>
+              <a:cs typeface="Courier" charset="0"/>
+            </a:endParaRPr>
+          </a:p>
+          <a:p>
             <a:endParaRPr lang="en-US" dirty="0" smtClean="0">
-              <a:latin typeface="Courier New" charset="0"/>
-              <a:ea typeface="Courier New" charset="0"/>
-              <a:cs typeface="Courier New" charset="0"/>
-            </a:endParaRPr>
-          </a:p>
-          <a:p>
-            <a:pPr marL="0" indent="0">
-              <a:buNone/>
-            </a:pPr>
-            <a:r>
-              <a:rPr lang="en-US" b="1" dirty="0" smtClean="0">
-                <a:latin typeface="Courier New" charset="0"/>
-                <a:ea typeface="Courier New" charset="0"/>
-                <a:cs typeface="Courier New" charset="0"/>
-              </a:rPr>
-              <a:t>#Task: make one function instead of two</a:t>
-            </a:r>
-            <a:r>
-              <a:rPr lang="en-US" dirty="0">
-                <a:latin typeface="Courier New" charset="0"/>
-                <a:ea typeface="Courier New" charset="0"/>
-                <a:cs typeface="Courier New" charset="0"/>
-              </a:rPr>
-              <a:t/>
-            </a:r>
-            <a:br>
-              <a:rPr lang="en-US" dirty="0">
-                <a:latin typeface="Courier New" charset="0"/>
-                <a:ea typeface="Courier New" charset="0"/>
-                <a:cs typeface="Courier New" charset="0"/>
-              </a:rPr>
-            </a:br>
-            <a:r>
-              <a:rPr lang="en-US" dirty="0">
-                <a:latin typeface="Courier New" charset="0"/>
-                <a:ea typeface="Courier New" charset="0"/>
-                <a:cs typeface="Courier New" charset="0"/>
-              </a:rPr>
-              <a:t/>
-            </a:r>
-            <a:br>
-              <a:rPr lang="en-US" dirty="0">
-                <a:latin typeface="Courier New" charset="0"/>
-                <a:ea typeface="Courier New" charset="0"/>
-                <a:cs typeface="Courier New" charset="0"/>
-              </a:rPr>
-            </a:br>
-            <a:r>
-              <a:rPr lang="en-US" dirty="0">
-                <a:latin typeface="Courier New" charset="0"/>
-                <a:ea typeface="Courier New" charset="0"/>
-                <a:cs typeface="Courier New" charset="0"/>
-              </a:rPr>
-              <a:t/>
-            </a:r>
-            <a:br>
-              <a:rPr lang="en-US" dirty="0">
-                <a:latin typeface="Courier New" charset="0"/>
-                <a:ea typeface="Courier New" charset="0"/>
-                <a:cs typeface="Courier New" charset="0"/>
-              </a:rPr>
-            </a:br>
-            <a:endParaRPr lang="en-US" dirty="0">
-              <a:latin typeface="Courier New" charset="0"/>
-              <a:ea typeface="Courier New" charset="0"/>
-              <a:cs typeface="Courier New" charset="0"/>
-            </a:endParaRPr>
-          </a:p>
-          <a:p>
-            <a:endParaRPr lang="en-US" dirty="0" smtClean="0">
-              <a:latin typeface="Courier New" charset="0"/>
-              <a:ea typeface="Courier New" charset="0"/>
-              <a:cs typeface="Courier New" charset="0"/>
+              <a:latin typeface="Courier" charset="0"/>
+              <a:ea typeface="Courier" charset="0"/>
+              <a:cs typeface="Courier" charset="0"/>
             </a:endParaRPr>
           </a:p>
         </p:txBody>
@@ -8465,7 +8658,7 @@
     </p:spTree>
     <p:extLst>
       <p:ext uri="{BB962C8B-B14F-4D97-AF65-F5344CB8AC3E}">
-        <p14:creationId xmlns:p14="http://schemas.microsoft.com/office/powerpoint/2010/main" val="1403307724"/>
+        <p14:creationId xmlns:p14="http://schemas.microsoft.com/office/powerpoint/2010/main" val="600234069"/>
       </p:ext>
     </p:extLst>
   </p:cSld>

--- a/presentations/frankfurt_python_intro.pptx
+++ b/presentations/frankfurt_python_intro.pptx
@@ -5,7 +5,7 @@
     <p:sldMasterId id="2147483648" r:id="rId1"/>
   </p:sldMasterIdLst>
   <p:notesMasterIdLst>
-    <p:notesMasterId r:id="rId16"/>
+    <p:notesMasterId r:id="rId13"/>
   </p:notesMasterIdLst>
   <p:sldIdLst>
     <p:sldId id="314" r:id="rId2"/>
@@ -18,10 +18,7 @@
     <p:sldId id="331" r:id="rId9"/>
     <p:sldId id="332" r:id="rId10"/>
     <p:sldId id="333" r:id="rId11"/>
-    <p:sldId id="323" r:id="rId12"/>
-    <p:sldId id="326" r:id="rId13"/>
-    <p:sldId id="324" r:id="rId14"/>
-    <p:sldId id="325" r:id="rId15"/>
+    <p:sldId id="325" r:id="rId12"/>
   </p:sldIdLst>
   <p:sldSz cx="12192000" cy="6858000"/>
   <p:notesSz cx="6858000" cy="9144000"/>
@@ -210,7 +207,7 @@
           <a:p>
             <a:fld id="{124361CD-6CC4-A34D-AE45-29B67002D1E6}" type="datetimeFigureOut">
               <a:rPr lang="en-US" smtClean="0"/>
-              <a:t>7/28/19</a:t>
+              <a:t>7/31/19</a:t>
             </a:fld>
             <a:endParaRPr lang="en-US"/>
           </a:p>
@@ -609,7 +606,7 @@
           <a:p>
             <a:fld id="{38B27D04-8BD5-C047-B9FF-9D6420E37D9D}" type="datetimeFigureOut">
               <a:rPr lang="en-US" smtClean="0"/>
-              <a:t>7/28/19</a:t>
+              <a:t>7/31/19</a:t>
             </a:fld>
             <a:endParaRPr lang="en-US"/>
           </a:p>
@@ -886,7 +883,7 @@
           <a:p>
             <a:fld id="{38B27D04-8BD5-C047-B9FF-9D6420E37D9D}" type="datetimeFigureOut">
               <a:rPr lang="en-US" smtClean="0"/>
-              <a:t>7/28/19</a:t>
+              <a:t>7/31/19</a:t>
             </a:fld>
             <a:endParaRPr lang="en-US"/>
           </a:p>
@@ -1139,7 +1136,7 @@
           <a:p>
             <a:fld id="{38B27D04-8BD5-C047-B9FF-9D6420E37D9D}" type="datetimeFigureOut">
               <a:rPr lang="en-US" smtClean="0"/>
-              <a:t>7/28/19</a:t>
+              <a:t>7/31/19</a:t>
             </a:fld>
             <a:endParaRPr lang="en-US"/>
           </a:p>
@@ -1309,7 +1306,7 @@
           <a:p>
             <a:fld id="{38B27D04-8BD5-C047-B9FF-9D6420E37D9D}" type="datetimeFigureOut">
               <a:rPr lang="en-US" smtClean="0"/>
-              <a:t>7/28/19</a:t>
+              <a:t>7/31/19</a:t>
             </a:fld>
             <a:endParaRPr lang="en-US"/>
           </a:p>
@@ -1489,7 +1486,7 @@
           <a:p>
             <a:fld id="{38B27D04-8BD5-C047-B9FF-9D6420E37D9D}" type="datetimeFigureOut">
               <a:rPr lang="en-US" smtClean="0"/>
-              <a:t>7/28/19</a:t>
+              <a:t>7/31/19</a:t>
             </a:fld>
             <a:endParaRPr lang="en-US"/>
           </a:p>
@@ -1699,7 +1696,7 @@
           <a:p>
             <a:fld id="{38B27D04-8BD5-C047-B9FF-9D6420E37D9D}" type="datetimeFigureOut">
               <a:rPr lang="en-US" smtClean="0"/>
-              <a:t>7/28/19</a:t>
+              <a:t>7/31/19</a:t>
             </a:fld>
             <a:endParaRPr lang="en-US"/>
           </a:p>
@@ -2017,7 +2014,7 @@
           <a:p>
             <a:fld id="{38B27D04-8BD5-C047-B9FF-9D6420E37D9D}" type="datetimeFigureOut">
               <a:rPr lang="en-US" smtClean="0"/>
-              <a:t>7/28/19</a:t>
+              <a:t>7/31/19</a:t>
             </a:fld>
             <a:endParaRPr lang="en-US"/>
           </a:p>
@@ -2228,7 +2225,7 @@
           <a:p>
             <a:fld id="{38B27D04-8BD5-C047-B9FF-9D6420E37D9D}" type="datetimeFigureOut">
               <a:rPr lang="en-US" smtClean="0"/>
-              <a:t>7/28/19</a:t>
+              <a:t>7/31/19</a:t>
             </a:fld>
             <a:endParaRPr lang="en-US"/>
           </a:p>
@@ -2517,7 +2514,7 @@
           <a:p>
             <a:fld id="{38B27D04-8BD5-C047-B9FF-9D6420E37D9D}" type="datetimeFigureOut">
               <a:rPr lang="en-US" smtClean="0"/>
-              <a:t>7/28/19</a:t>
+              <a:t>7/31/19</a:t>
             </a:fld>
             <a:endParaRPr lang="en-US"/>
           </a:p>
@@ -2749,7 +2746,7 @@
           <a:p>
             <a:fld id="{38B27D04-8BD5-C047-B9FF-9D6420E37D9D}" type="datetimeFigureOut">
               <a:rPr lang="en-US" smtClean="0"/>
-              <a:t>7/28/19</a:t>
+              <a:t>7/31/19</a:t>
             </a:fld>
             <a:endParaRPr lang="en-US"/>
           </a:p>
@@ -3116,7 +3113,7 @@
           <a:p>
             <a:fld id="{38B27D04-8BD5-C047-B9FF-9D6420E37D9D}" type="datetimeFigureOut">
               <a:rPr lang="en-US" smtClean="0"/>
-              <a:t>7/28/19</a:t>
+              <a:t>7/31/19</a:t>
             </a:fld>
             <a:endParaRPr lang="en-US"/>
           </a:p>
@@ -3234,7 +3231,7 @@
           <a:p>
             <a:fld id="{38B27D04-8BD5-C047-B9FF-9D6420E37D9D}" type="datetimeFigureOut">
               <a:rPr lang="en-US" smtClean="0"/>
-              <a:t>7/28/19</a:t>
+              <a:t>7/31/19</a:t>
             </a:fld>
             <a:endParaRPr lang="en-US"/>
           </a:p>
@@ -3329,7 +3326,7 @@
           <a:p>
             <a:fld id="{38B27D04-8BD5-C047-B9FF-9D6420E37D9D}" type="datetimeFigureOut">
               <a:rPr lang="en-US" smtClean="0"/>
-              <a:t>7/28/19</a:t>
+              <a:t>7/31/19</a:t>
             </a:fld>
             <a:endParaRPr lang="en-US"/>
           </a:p>
@@ -3551,7 +3548,7 @@
             <a:fld id="{38B27D04-8BD5-C047-B9FF-9D6420E37D9D}" type="datetimeFigureOut">
               <a:rPr lang="en-US" smtClean="0"/>
               <a:pPr/>
-              <a:t>7/28/19</a:t>
+              <a:t>7/31/19</a:t>
             </a:fld>
             <a:endParaRPr lang="en-US"/>
           </a:p>
@@ -4742,28 +4739,8 @@
           <a:lstStyle/>
           <a:p>
             <a:r>
-              <a:rPr lang="en-US" dirty="0" smtClean="0">
-                <a:latin typeface="Courier" charset="0"/>
-                <a:ea typeface="Courier" charset="0"/>
-                <a:cs typeface="Courier" charset="0"/>
-              </a:rPr>
-              <a:t>class</a:t>
-            </a:r>
-            <a:r>
-              <a:rPr lang="en-US" dirty="0" smtClean="0"/>
-              <a:t>, </a:t>
-            </a:r>
-            <a:r>
-              <a:rPr lang="en-US" dirty="0" smtClean="0">
-                <a:latin typeface="Courier" charset="0"/>
-                <a:ea typeface="Courier" charset="0"/>
-                <a:cs typeface="Courier" charset="0"/>
-              </a:rPr>
-              <a:t>self</a:t>
-            </a:r>
-            <a:r>
-              <a:rPr lang="en-US" dirty="0" smtClean="0"/>
-              <a:t>, and relational databases</a:t>
+              <a:rPr lang="en-US" smtClean="0"/>
+              <a:t>class, self, and relational databases</a:t>
             </a:r>
             <a:endParaRPr lang="en-US" dirty="0"/>
           </a:p>
@@ -4779,1052 +4756,625 @@
             <p:ph idx="1"/>
           </p:nvPr>
         </p:nvSpPr>
-        <p:spPr>
-          <a:xfrm>
-            <a:off x="838200" y="3954779"/>
-            <a:ext cx="10515600" cy="2222183"/>
-          </a:xfrm>
-        </p:spPr>
-        <p:txBody>
-          <a:bodyPr>
-            <a:normAutofit fontScale="62500" lnSpcReduction="20000"/>
-          </a:bodyPr>
-          <a:lstStyle/>
-          <a:p>
-            <a:pPr>
-              <a:lnSpc>
-                <a:spcPct val="170000"/>
-              </a:lnSpc>
-            </a:pPr>
-            <a:r>
-              <a:rPr lang="en-US" dirty="0" smtClean="0">
-                <a:latin typeface="Helvetica Neue Light" charset="0"/>
-                <a:ea typeface="Helvetica Neue Light" charset="0"/>
-                <a:cs typeface="Helvetica Neue Light" charset="0"/>
-              </a:rPr>
-              <a:t>The same information is repeated multiple times</a:t>
-            </a:r>
-          </a:p>
-          <a:p>
-            <a:pPr>
-              <a:lnSpc>
-                <a:spcPct val="170000"/>
-              </a:lnSpc>
-            </a:pPr>
-            <a:r>
-              <a:rPr lang="en-US" dirty="0" smtClean="0">
-                <a:latin typeface="Helvetica Neue Light" charset="0"/>
-                <a:ea typeface="Helvetica Neue Light" charset="0"/>
-                <a:cs typeface="Helvetica Neue Light" charset="0"/>
-              </a:rPr>
-              <a:t>If somebody changes the address you need to change all house parameters for this person</a:t>
-            </a:r>
-          </a:p>
-          <a:p>
-            <a:pPr>
-              <a:lnSpc>
-                <a:spcPct val="170000"/>
-              </a:lnSpc>
-            </a:pPr>
-            <a:r>
-              <a:rPr lang="en-US" dirty="0" smtClean="0">
-                <a:latin typeface="Helvetica Neue Light" charset="0"/>
-                <a:ea typeface="Helvetica Neue Light" charset="0"/>
-                <a:cs typeface="Helvetica Neue Light" charset="0"/>
-              </a:rPr>
-              <a:t>If you changes the roof color, you need to change it as many times as there are inhabitants</a:t>
-            </a:r>
-          </a:p>
-          <a:p>
-            <a:pPr>
-              <a:lnSpc>
-                <a:spcPct val="170000"/>
-              </a:lnSpc>
-            </a:pPr>
-            <a:r>
-              <a:rPr lang="en-US" dirty="0" smtClean="0">
-                <a:latin typeface="Helvetica Neue Light" charset="0"/>
-                <a:ea typeface="Helvetica Neue Light" charset="0"/>
-                <a:cs typeface="Helvetica Neue Light" charset="0"/>
-              </a:rPr>
-              <a:t>the computational costs are multiplied X number of participants. </a:t>
-            </a:r>
-            <a:endParaRPr lang="en-US" dirty="0">
-              <a:latin typeface="Helvetica Neue Light" charset="0"/>
-              <a:ea typeface="Helvetica Neue Light" charset="0"/>
-              <a:cs typeface="Helvetica Neue Light" charset="0"/>
-            </a:endParaRPr>
-          </a:p>
-        </p:txBody>
-      </p:sp>
-      <p:pic>
-        <p:nvPicPr>
-          <p:cNvPr id="5" name="Picture 4"/>
-          <p:cNvPicPr>
-            <a:picLocks noChangeAspect="1"/>
-          </p:cNvPicPr>
-          <p:nvPr/>
-        </p:nvPicPr>
-        <p:blipFill>
-          <a:blip r:embed="rId2"/>
-          <a:stretch>
-            <a:fillRect/>
-          </a:stretch>
-        </p:blipFill>
-        <p:spPr>
-          <a:xfrm>
-            <a:off x="731520" y="1761489"/>
-            <a:ext cx="10652760" cy="2210323"/>
-          </a:xfrm>
-          <a:prstGeom prst="rect">
-            <a:avLst/>
-          </a:prstGeom>
-        </p:spPr>
-      </p:pic>
-    </p:spTree>
-    <p:extLst>
-      <p:ext uri="{BB962C8B-B14F-4D97-AF65-F5344CB8AC3E}">
-        <p14:creationId xmlns:p14="http://schemas.microsoft.com/office/powerpoint/2010/main" val="694532776"/>
-      </p:ext>
-    </p:extLst>
-  </p:cSld>
-  <p:clrMapOvr>
-    <a:masterClrMapping/>
-  </p:clrMapOvr>
-  <p:timing>
-    <p:tnLst>
-      <p:par>
-        <p:cTn id="1" dur="indefinite" restart="never" nodeType="tmRoot"/>
-      </p:par>
-    </p:tnLst>
-  </p:timing>
-</p:sld>
-</file>
-
-<file path=ppt/slides/slide12.xml><?xml version="1.0" encoding="utf-8"?>
-<p:sld xmlns:a="http://schemas.openxmlformats.org/drawingml/2006/main" xmlns:r="http://schemas.openxmlformats.org/officeDocument/2006/relationships" xmlns:p="http://schemas.openxmlformats.org/presentationml/2006/main">
-  <p:cSld>
-    <p:spTree>
-      <p:nvGrpSpPr>
-        <p:cNvPr id="1" name=""/>
-        <p:cNvGrpSpPr/>
-        <p:nvPr/>
-      </p:nvGrpSpPr>
-      <p:grpSpPr>
-        <a:xfrm>
-          <a:off x="0" y="0"/>
-          <a:ext cx="0" cy="0"/>
-          <a:chOff x="0" y="0"/>
-          <a:chExt cx="0" cy="0"/>
-        </a:xfrm>
-      </p:grpSpPr>
-      <p:sp>
-        <p:nvSpPr>
-          <p:cNvPr id="2" name="Title 1"/>
-          <p:cNvSpPr>
-            <a:spLocks noGrp="1"/>
-          </p:cNvSpPr>
-          <p:nvPr>
-            <p:ph type="title"/>
-          </p:nvPr>
-        </p:nvSpPr>
         <p:spPr/>
-        <p:txBody>
-          <a:bodyPr/>
-          <a:lstStyle/>
-          <a:p>
-            <a:r>
-              <a:rPr lang="en-US" dirty="0" smtClean="0">
-                <a:latin typeface="Courier" charset="0"/>
-                <a:ea typeface="Courier" charset="0"/>
-                <a:cs typeface="Courier" charset="0"/>
-              </a:rPr>
-              <a:t>class</a:t>
-            </a:r>
-            <a:r>
-              <a:rPr lang="en-US" dirty="0" smtClean="0"/>
-              <a:t>, </a:t>
-            </a:r>
-            <a:r>
-              <a:rPr lang="en-US" dirty="0" smtClean="0">
-                <a:latin typeface="Courier" charset="0"/>
-                <a:ea typeface="Courier" charset="0"/>
-                <a:cs typeface="Courier" charset="0"/>
-              </a:rPr>
-              <a:t>self</a:t>
-            </a:r>
-            <a:r>
-              <a:rPr lang="en-US" dirty="0" smtClean="0"/>
-              <a:t>, and relational databases</a:t>
-            </a:r>
-            <a:endParaRPr lang="en-US" dirty="0"/>
-          </a:p>
-        </p:txBody>
-      </p:sp>
-      <p:sp>
-        <p:nvSpPr>
-          <p:cNvPr id="5" name="Content Placeholder 3"/>
-          <p:cNvSpPr txBox="1">
-            <a:spLocks/>
-          </p:cNvSpPr>
-          <p:nvPr/>
-        </p:nvSpPr>
-        <p:spPr>
-          <a:xfrm>
-            <a:off x="838200" y="5257800"/>
-            <a:ext cx="10515600" cy="919162"/>
-          </a:xfrm>
-          <a:prstGeom prst="rect">
-            <a:avLst/>
-          </a:prstGeom>
-        </p:spPr>
-        <p:txBody>
-          <a:bodyPr vert="horz" lIns="91440" tIns="45720" rIns="91440" bIns="45720" rtlCol="0">
-            <a:normAutofit/>
-          </a:bodyPr>
-          <a:lstStyle>
-            <a:lvl1pPr marL="228600" indent="-228600" algn="l" defTabSz="914400" rtl="0" eaLnBrk="1" latinLnBrk="0" hangingPunct="1">
-              <a:lnSpc>
-                <a:spcPct val="90000"/>
-              </a:lnSpc>
-              <a:spcBef>
-                <a:spcPts val="1000"/>
-              </a:spcBef>
-              <a:buFont typeface="Arial"/>
-              <a:buChar char="•"/>
-              <a:defRPr sz="2800" b="0" i="0" kern="1200">
-                <a:solidFill>
-                  <a:schemeClr val="tx1"/>
-                </a:solidFill>
-                <a:latin typeface="Helvetica Neue" charset="0"/>
-                <a:ea typeface="Helvetica Neue" charset="0"/>
-                <a:cs typeface="Helvetica Neue" charset="0"/>
-              </a:defRPr>
-            </a:lvl1pPr>
-            <a:lvl2pPr marL="685800" indent="-228600" algn="l" defTabSz="914400" rtl="0" eaLnBrk="1" latinLnBrk="0" hangingPunct="1">
-              <a:lnSpc>
-                <a:spcPct val="90000"/>
-              </a:lnSpc>
-              <a:spcBef>
-                <a:spcPts val="500"/>
-              </a:spcBef>
-              <a:buFont typeface="Arial"/>
-              <a:buChar char="•"/>
-              <a:defRPr sz="2400" b="0" i="0" kern="1200">
-                <a:solidFill>
-                  <a:schemeClr val="tx1"/>
-                </a:solidFill>
-                <a:latin typeface="Helvetica Neue Light" charset="0"/>
-                <a:ea typeface="Helvetica Neue Light" charset="0"/>
-                <a:cs typeface="Helvetica Neue Light" charset="0"/>
-              </a:defRPr>
-            </a:lvl2pPr>
-            <a:lvl3pPr marL="1143000" indent="-228600" algn="l" defTabSz="914400" rtl="0" eaLnBrk="1" latinLnBrk="0" hangingPunct="1">
-              <a:lnSpc>
-                <a:spcPct val="90000"/>
-              </a:lnSpc>
-              <a:spcBef>
-                <a:spcPts val="500"/>
-              </a:spcBef>
-              <a:buFont typeface="Arial"/>
-              <a:buChar char="•"/>
-              <a:defRPr sz="2000" b="0" i="0" kern="1200">
-                <a:solidFill>
-                  <a:schemeClr val="tx1"/>
-                </a:solidFill>
-                <a:latin typeface="Helvetica Neue Light" charset="0"/>
-                <a:ea typeface="Helvetica Neue Light" charset="0"/>
-                <a:cs typeface="Helvetica Neue Light" charset="0"/>
-              </a:defRPr>
-            </a:lvl3pPr>
-            <a:lvl4pPr marL="1600200" indent="-228600" algn="l" defTabSz="914400" rtl="0" eaLnBrk="1" latinLnBrk="0" hangingPunct="1">
-              <a:lnSpc>
-                <a:spcPct val="90000"/>
-              </a:lnSpc>
-              <a:spcBef>
-                <a:spcPts val="500"/>
-              </a:spcBef>
-              <a:buFont typeface="Arial"/>
-              <a:buChar char="•"/>
-              <a:defRPr sz="1800" b="0" i="0" kern="1200">
-                <a:solidFill>
-                  <a:schemeClr val="tx1"/>
-                </a:solidFill>
-                <a:latin typeface="Helvetica Neue Light" charset="0"/>
-                <a:ea typeface="Helvetica Neue Light" charset="0"/>
-                <a:cs typeface="Helvetica Neue Light" charset="0"/>
-              </a:defRPr>
-            </a:lvl4pPr>
-            <a:lvl5pPr marL="2057400" indent="-228600" algn="l" defTabSz="914400" rtl="0" eaLnBrk="1" latinLnBrk="0" hangingPunct="1">
-              <a:lnSpc>
-                <a:spcPct val="90000"/>
-              </a:lnSpc>
-              <a:spcBef>
-                <a:spcPts val="500"/>
-              </a:spcBef>
-              <a:buFont typeface="Arial"/>
-              <a:buChar char="•"/>
-              <a:defRPr sz="1800" b="0" i="0" kern="1200">
-                <a:solidFill>
-                  <a:schemeClr val="tx1"/>
-                </a:solidFill>
-                <a:latin typeface="Helvetica Neue Light" charset="0"/>
-                <a:ea typeface="Helvetica Neue Light" charset="0"/>
-                <a:cs typeface="Helvetica Neue Light" charset="0"/>
-              </a:defRPr>
-            </a:lvl5pPr>
-            <a:lvl6pPr marL="2514600" indent="-228600" algn="l" defTabSz="914400" rtl="0" eaLnBrk="1" latinLnBrk="0" hangingPunct="1">
-              <a:lnSpc>
-                <a:spcPct val="90000"/>
-              </a:lnSpc>
-              <a:spcBef>
-                <a:spcPts val="500"/>
-              </a:spcBef>
-              <a:buFont typeface="Arial"/>
-              <a:buChar char="•"/>
-              <a:defRPr sz="1800" kern="1200">
-                <a:solidFill>
-                  <a:schemeClr val="tx1"/>
-                </a:solidFill>
-                <a:latin typeface="+mn-lt"/>
-                <a:ea typeface="+mn-ea"/>
-                <a:cs typeface="+mn-cs"/>
-              </a:defRPr>
-            </a:lvl6pPr>
-            <a:lvl7pPr marL="2971800" indent="-228600" algn="l" defTabSz="914400" rtl="0" eaLnBrk="1" latinLnBrk="0" hangingPunct="1">
-              <a:lnSpc>
-                <a:spcPct val="90000"/>
-              </a:lnSpc>
-              <a:spcBef>
-                <a:spcPts val="500"/>
-              </a:spcBef>
-              <a:buFont typeface="Arial"/>
-              <a:buChar char="•"/>
-              <a:defRPr sz="1800" kern="1200">
-                <a:solidFill>
-                  <a:schemeClr val="tx1"/>
-                </a:solidFill>
-                <a:latin typeface="+mn-lt"/>
-                <a:ea typeface="+mn-ea"/>
-                <a:cs typeface="+mn-cs"/>
-              </a:defRPr>
-            </a:lvl7pPr>
-            <a:lvl8pPr marL="3429000" indent="-228600" algn="l" defTabSz="914400" rtl="0" eaLnBrk="1" latinLnBrk="0" hangingPunct="1">
-              <a:lnSpc>
-                <a:spcPct val="90000"/>
-              </a:lnSpc>
-              <a:spcBef>
-                <a:spcPts val="500"/>
-              </a:spcBef>
-              <a:buFont typeface="Arial"/>
-              <a:buChar char="•"/>
-              <a:defRPr sz="1800" kern="1200">
-                <a:solidFill>
-                  <a:schemeClr val="tx1"/>
-                </a:solidFill>
-                <a:latin typeface="+mn-lt"/>
-                <a:ea typeface="+mn-ea"/>
-                <a:cs typeface="+mn-cs"/>
-              </a:defRPr>
-            </a:lvl8pPr>
-            <a:lvl9pPr marL="3886200" indent="-228600" algn="l" defTabSz="914400" rtl="0" eaLnBrk="1" latinLnBrk="0" hangingPunct="1">
-              <a:lnSpc>
-                <a:spcPct val="90000"/>
-              </a:lnSpc>
-              <a:spcBef>
-                <a:spcPts val="500"/>
-              </a:spcBef>
-              <a:buFont typeface="Arial"/>
-              <a:buChar char="•"/>
-              <a:defRPr sz="1800" kern="1200">
-                <a:solidFill>
-                  <a:schemeClr val="tx1"/>
-                </a:solidFill>
-                <a:latin typeface="+mn-lt"/>
-                <a:ea typeface="+mn-ea"/>
-                <a:cs typeface="+mn-cs"/>
-              </a:defRPr>
-            </a:lvl9pPr>
-          </a:lstStyle>
-          <a:p>
-            <a:r>
-              <a:rPr lang="en-US" smtClean="0"/>
-              <a:t>we can split the data sheet into two tables (Persons, Houses) and the information stops being redundant</a:t>
-            </a:r>
-            <a:endParaRPr lang="en-US" dirty="0"/>
-          </a:p>
-        </p:txBody>
-      </p:sp>
-      <p:pic>
-        <p:nvPicPr>
-          <p:cNvPr id="7" name="Picture 6"/>
-          <p:cNvPicPr>
-            <a:picLocks noChangeAspect="1"/>
-          </p:cNvPicPr>
-          <p:nvPr/>
-        </p:nvPicPr>
-        <p:blipFill>
-          <a:blip r:embed="rId2"/>
-          <a:stretch>
-            <a:fillRect/>
-          </a:stretch>
-        </p:blipFill>
-        <p:spPr>
-          <a:xfrm>
-            <a:off x="2622550" y="1962150"/>
-            <a:ext cx="6946900" cy="2933700"/>
-          </a:xfrm>
-          <a:prstGeom prst="rect">
-            <a:avLst/>
-          </a:prstGeom>
-        </p:spPr>
-      </p:pic>
-    </p:spTree>
-    <p:extLst>
-      <p:ext uri="{BB962C8B-B14F-4D97-AF65-F5344CB8AC3E}">
-        <p14:creationId xmlns:p14="http://schemas.microsoft.com/office/powerpoint/2010/main" val="935817415"/>
-      </p:ext>
-    </p:extLst>
-  </p:cSld>
-  <p:clrMapOvr>
-    <a:masterClrMapping/>
-  </p:clrMapOvr>
-  <p:timing>
-    <p:tnLst>
-      <p:par>
-        <p:cTn id="1" dur="indefinite" restart="never" nodeType="tmRoot"/>
-      </p:par>
-    </p:tnLst>
-  </p:timing>
-</p:sld>
-</file>
-
-<file path=ppt/slides/slide13.xml><?xml version="1.0" encoding="utf-8"?>
-<p:sld xmlns:a="http://schemas.openxmlformats.org/drawingml/2006/main" xmlns:r="http://schemas.openxmlformats.org/officeDocument/2006/relationships" xmlns:p="http://schemas.openxmlformats.org/presentationml/2006/main">
-  <p:cSld>
-    <p:spTree>
-      <p:nvGrpSpPr>
-        <p:cNvPr id="1" name=""/>
-        <p:cNvGrpSpPr/>
-        <p:nvPr/>
-      </p:nvGrpSpPr>
-      <p:grpSpPr>
-        <a:xfrm>
-          <a:off x="0" y="0"/>
-          <a:ext cx="0" cy="0"/>
-          <a:chOff x="0" y="0"/>
-          <a:chExt cx="0" cy="0"/>
-        </a:xfrm>
-      </p:grpSpPr>
-      <p:sp>
-        <p:nvSpPr>
-          <p:cNvPr id="2" name="Title 1"/>
-          <p:cNvSpPr>
-            <a:spLocks noGrp="1"/>
-          </p:cNvSpPr>
-          <p:nvPr>
-            <p:ph type="title"/>
-          </p:nvPr>
-        </p:nvSpPr>
-        <p:spPr/>
-        <p:txBody>
-          <a:bodyPr/>
-          <a:lstStyle/>
-          <a:p>
-            <a:r>
-              <a:rPr lang="en-US" dirty="0" smtClean="0">
-                <a:latin typeface="Courier" charset="0"/>
-                <a:ea typeface="Courier" charset="0"/>
-                <a:cs typeface="Courier" charset="0"/>
-              </a:rPr>
-              <a:t>class</a:t>
-            </a:r>
-            <a:r>
-              <a:rPr lang="en-US" dirty="0" smtClean="0"/>
-              <a:t>, </a:t>
-            </a:r>
-            <a:r>
-              <a:rPr lang="en-US" dirty="0" smtClean="0">
-                <a:latin typeface="Courier" charset="0"/>
-                <a:ea typeface="Courier" charset="0"/>
-                <a:cs typeface="Courier" charset="0"/>
-              </a:rPr>
-              <a:t>self</a:t>
-            </a:r>
-            <a:r>
-              <a:rPr lang="en-US" dirty="0" smtClean="0"/>
-              <a:t>, and relational databases</a:t>
-            </a:r>
-            <a:endParaRPr lang="en-US" dirty="0"/>
-          </a:p>
-        </p:txBody>
-      </p:sp>
-      <p:sp>
-        <p:nvSpPr>
-          <p:cNvPr id="4" name="Content Placeholder 3"/>
-          <p:cNvSpPr>
-            <a:spLocks noGrp="1"/>
-          </p:cNvSpPr>
-          <p:nvPr>
-            <p:ph idx="1"/>
-          </p:nvPr>
-        </p:nvSpPr>
-        <p:spPr>
-          <a:xfrm>
-            <a:off x="838200" y="3954779"/>
-            <a:ext cx="10515600" cy="2222183"/>
-          </a:xfrm>
-        </p:spPr>
-        <p:txBody>
-          <a:bodyPr/>
-          <a:lstStyle/>
-          <a:p>
-            <a:r>
-              <a:rPr lang="en-US" dirty="0" smtClean="0"/>
-              <a:t>class definition: structure of the data:</a:t>
-            </a:r>
-          </a:p>
-          <a:p>
-            <a:r>
-              <a:rPr lang="en-US" dirty="0" smtClean="0"/>
-              <a:t>class instance: the specific ‘record’ of the data</a:t>
-            </a:r>
-            <a:endParaRPr lang="en-US" dirty="0"/>
-          </a:p>
-        </p:txBody>
-      </p:sp>
-      <p:pic>
-        <p:nvPicPr>
-          <p:cNvPr id="5" name="Picture 4"/>
-          <p:cNvPicPr>
-            <a:picLocks noChangeAspect="1"/>
-          </p:cNvPicPr>
-          <p:nvPr/>
-        </p:nvPicPr>
-        <p:blipFill>
-          <a:blip r:embed="rId2"/>
-          <a:stretch>
-            <a:fillRect/>
-          </a:stretch>
-        </p:blipFill>
-        <p:spPr>
-          <a:xfrm>
-            <a:off x="731520" y="1761489"/>
-            <a:ext cx="10652760" cy="2210323"/>
-          </a:xfrm>
-          <a:prstGeom prst="rect">
-            <a:avLst/>
-          </a:prstGeom>
-        </p:spPr>
-      </p:pic>
-    </p:spTree>
-    <p:extLst>
-      <p:ext uri="{BB962C8B-B14F-4D97-AF65-F5344CB8AC3E}">
-        <p14:creationId xmlns:p14="http://schemas.microsoft.com/office/powerpoint/2010/main" val="1860285350"/>
-      </p:ext>
-    </p:extLst>
-  </p:cSld>
-  <p:clrMapOvr>
-    <a:masterClrMapping/>
-  </p:clrMapOvr>
-  <p:timing>
-    <p:tnLst>
-      <p:par>
-        <p:cTn id="1" dur="indefinite" restart="never" nodeType="tmRoot"/>
-      </p:par>
-    </p:tnLst>
-  </p:timing>
-</p:sld>
-</file>
-
-<file path=ppt/slides/slide14.xml><?xml version="1.0" encoding="utf-8"?>
-<p:sld xmlns:a="http://schemas.openxmlformats.org/drawingml/2006/main" xmlns:r="http://schemas.openxmlformats.org/officeDocument/2006/relationships" xmlns:p="http://schemas.openxmlformats.org/presentationml/2006/main">
-  <p:cSld>
-    <p:spTree>
-      <p:nvGrpSpPr>
-        <p:cNvPr id="1" name=""/>
-        <p:cNvGrpSpPr/>
-        <p:nvPr/>
-      </p:nvGrpSpPr>
-      <p:grpSpPr>
-        <a:xfrm>
-          <a:off x="0" y="0"/>
-          <a:ext cx="0" cy="0"/>
-          <a:chOff x="0" y="0"/>
-          <a:chExt cx="0" cy="0"/>
-        </a:xfrm>
-      </p:grpSpPr>
-      <p:sp>
-        <p:nvSpPr>
-          <p:cNvPr id="2" name="Title 1"/>
-          <p:cNvSpPr>
-            <a:spLocks noGrp="1"/>
-          </p:cNvSpPr>
-          <p:nvPr>
-            <p:ph type="title"/>
-          </p:nvPr>
-        </p:nvSpPr>
-        <p:spPr/>
-        <p:txBody>
-          <a:bodyPr/>
-          <a:lstStyle/>
-          <a:p>
-            <a:r>
-              <a:rPr lang="en-US" dirty="0" smtClean="0">
-                <a:latin typeface="Courier" charset="0"/>
-                <a:ea typeface="Courier" charset="0"/>
-                <a:cs typeface="Courier" charset="0"/>
-              </a:rPr>
-              <a:t>class</a:t>
-            </a:r>
-            <a:r>
-              <a:rPr lang="en-US" dirty="0" smtClean="0"/>
-              <a:t>, </a:t>
-            </a:r>
-            <a:r>
-              <a:rPr lang="en-US" dirty="0" smtClean="0">
-                <a:latin typeface="Courier" charset="0"/>
-                <a:ea typeface="Courier" charset="0"/>
-                <a:cs typeface="Courier" charset="0"/>
-              </a:rPr>
-              <a:t>self</a:t>
-            </a:r>
-            <a:r>
-              <a:rPr lang="en-US" dirty="0" smtClean="0"/>
-              <a:t>, and relational databases</a:t>
-            </a:r>
-            <a:endParaRPr lang="en-US" dirty="0"/>
-          </a:p>
-        </p:txBody>
-      </p:sp>
-      <p:sp>
-        <p:nvSpPr>
-          <p:cNvPr id="4" name="Content Placeholder 3"/>
-          <p:cNvSpPr>
-            <a:spLocks noGrp="1"/>
-          </p:cNvSpPr>
-          <p:nvPr>
-            <p:ph idx="1"/>
-          </p:nvPr>
-        </p:nvSpPr>
-        <p:spPr>
-          <a:xfrm>
-            <a:off x="789214" y="1812472"/>
-            <a:ext cx="10515600" cy="4135891"/>
-          </a:xfrm>
-        </p:spPr>
         <p:txBody>
           <a:bodyPr>
             <a:normAutofit fontScale="77500" lnSpcReduction="20000"/>
           </a:bodyPr>
           <a:lstStyle/>
           <a:p>
-            <a:pPr marL="0" indent="0">
-              <a:lnSpc>
-                <a:spcPct val="100000"/>
-              </a:lnSpc>
-              <a:buNone/>
-            </a:pPr>
-            <a:r>
-              <a:rPr lang="en-US" sz="1500" dirty="0" smtClean="0">
-                <a:latin typeface="Courier" charset="0"/>
-                <a:ea typeface="Courier" charset="0"/>
-                <a:cs typeface="Courier" charset="0"/>
-              </a:rPr>
-              <a:t># an example</a:t>
-            </a:r>
-            <a:endParaRPr lang="en-US" sz="1500" dirty="0">
-              <a:latin typeface="Courier" charset="0"/>
-              <a:ea typeface="Courier" charset="0"/>
-              <a:cs typeface="Courier" charset="0"/>
-            </a:endParaRPr>
-          </a:p>
-          <a:p>
-            <a:pPr marL="0" indent="0">
-              <a:lnSpc>
-                <a:spcPct val="100000"/>
-              </a:lnSpc>
-              <a:buNone/>
-            </a:pPr>
-            <a:r>
-              <a:rPr lang="en-US" sz="1500" dirty="0" smtClean="0">
-                <a:latin typeface="Courier" charset="0"/>
-                <a:ea typeface="Courier" charset="0"/>
-                <a:cs typeface="Courier" charset="0"/>
-              </a:rPr>
-              <a:t>class House(object):</a:t>
-            </a:r>
-          </a:p>
-          <a:p>
-            <a:pPr marL="0" indent="0">
-              <a:lnSpc>
-                <a:spcPct val="100000"/>
-              </a:lnSpc>
-              <a:buNone/>
-            </a:pPr>
-            <a:r>
-              <a:rPr lang="en-US" sz="1500" dirty="0">
-                <a:latin typeface="Courier" charset="0"/>
-                <a:ea typeface="Courier" charset="0"/>
-                <a:cs typeface="Courier" charset="0"/>
+            <a:r>
+              <a:rPr lang="en-US" dirty="0">
+                <a:latin typeface="Menlo" charset="0"/>
+                <a:ea typeface="Menlo" charset="0"/>
+                <a:cs typeface="Menlo" charset="0"/>
+              </a:rPr>
+              <a:t>class </a:t>
+            </a:r>
+            <a:r>
+              <a:rPr lang="en-US" dirty="0">
+                <a:latin typeface="Menlo" charset="0"/>
+                <a:ea typeface="Menlo" charset="0"/>
+                <a:cs typeface="Menlo" charset="0"/>
+              </a:rPr>
+              <a:t>Person:</a:t>
+            </a:r>
+            <a:br>
+              <a:rPr lang="en-US" dirty="0">
+                <a:latin typeface="Menlo" charset="0"/>
+                <a:ea typeface="Menlo" charset="0"/>
+                <a:cs typeface="Menlo" charset="0"/>
+              </a:rPr>
+            </a:br>
+            <a:r>
+              <a:rPr lang="en-US" dirty="0">
+                <a:latin typeface="Menlo" charset="0"/>
+                <a:ea typeface="Menlo" charset="0"/>
+                <a:cs typeface="Menlo" charset="0"/>
+              </a:rPr>
+              <a:t>    height = </a:t>
+            </a:r>
+            <a:r>
+              <a:rPr lang="en-US" dirty="0">
+                <a:latin typeface="Menlo" charset="0"/>
+                <a:ea typeface="Menlo" charset="0"/>
+                <a:cs typeface="Menlo" charset="0"/>
+              </a:rPr>
+              <a:t>None</a:t>
+            </a:r>
+            <a:br>
+              <a:rPr lang="en-US" dirty="0">
+                <a:latin typeface="Menlo" charset="0"/>
+                <a:ea typeface="Menlo" charset="0"/>
+                <a:cs typeface="Menlo" charset="0"/>
+              </a:rPr>
+            </a:br>
+            <a:r>
+              <a:rPr lang="en-US" dirty="0">
+                <a:latin typeface="Menlo" charset="0"/>
+                <a:ea typeface="Menlo" charset="0"/>
+                <a:cs typeface="Menlo" charset="0"/>
+              </a:rPr>
+              <a:t>    </a:t>
+            </a:r>
+            <a:r>
+              <a:rPr lang="en-US" dirty="0">
+                <a:latin typeface="Menlo" charset="0"/>
+                <a:ea typeface="Menlo" charset="0"/>
+                <a:cs typeface="Menlo" charset="0"/>
+              </a:rPr>
+              <a:t>weight = </a:t>
+            </a:r>
+            <a:r>
+              <a:rPr lang="en-US" dirty="0">
+                <a:latin typeface="Menlo" charset="0"/>
+                <a:ea typeface="Menlo" charset="0"/>
+                <a:cs typeface="Menlo" charset="0"/>
+              </a:rPr>
+              <a:t>None</a:t>
+            </a:r>
+            <a:br>
+              <a:rPr lang="en-US" dirty="0">
+                <a:latin typeface="Menlo" charset="0"/>
+                <a:ea typeface="Menlo" charset="0"/>
+                <a:cs typeface="Menlo" charset="0"/>
+              </a:rPr>
+            </a:br>
+            <a:r>
+              <a:rPr lang="en-US" dirty="0">
+                <a:latin typeface="Menlo" charset="0"/>
+                <a:ea typeface="Menlo" charset="0"/>
+                <a:cs typeface="Menlo" charset="0"/>
+              </a:rPr>
+              <a:t>    </a:t>
+            </a:r>
+            <a:r>
+              <a:rPr lang="en-US" dirty="0">
+                <a:latin typeface="Menlo" charset="0"/>
+                <a:ea typeface="Menlo" charset="0"/>
+                <a:cs typeface="Menlo" charset="0"/>
+              </a:rPr>
+              <a:t>surname = </a:t>
+            </a:r>
+            <a:r>
+              <a:rPr lang="en-US" dirty="0">
+                <a:latin typeface="Menlo" charset="0"/>
+                <a:ea typeface="Menlo" charset="0"/>
+                <a:cs typeface="Menlo" charset="0"/>
+              </a:rPr>
+              <a:t>None</a:t>
+            </a:r>
+            <a:br>
+              <a:rPr lang="en-US" dirty="0">
+                <a:latin typeface="Menlo" charset="0"/>
+                <a:ea typeface="Menlo" charset="0"/>
+                <a:cs typeface="Menlo" charset="0"/>
+              </a:rPr>
+            </a:br>
+            <a:r>
+              <a:rPr lang="en-US" dirty="0">
+                <a:latin typeface="Menlo" charset="0"/>
+                <a:ea typeface="Menlo" charset="0"/>
+                <a:cs typeface="Menlo" charset="0"/>
+              </a:rPr>
+              <a:t/>
+            </a:r>
+            <a:br>
+              <a:rPr lang="en-US" dirty="0">
+                <a:latin typeface="Menlo" charset="0"/>
+                <a:ea typeface="Menlo" charset="0"/>
+                <a:cs typeface="Menlo" charset="0"/>
+              </a:rPr>
+            </a:br>
+            <a:r>
+              <a:rPr lang="en-US" dirty="0">
+                <a:latin typeface="Menlo" charset="0"/>
+                <a:ea typeface="Menlo" charset="0"/>
+                <a:cs typeface="Menlo" charset="0"/>
+              </a:rPr>
+              <a:t>    </a:t>
+            </a:r>
+            <a:r>
+              <a:rPr lang="en-US" dirty="0" err="1">
+                <a:latin typeface="Menlo" charset="0"/>
+                <a:ea typeface="Menlo" charset="0"/>
+                <a:cs typeface="Menlo" charset="0"/>
+              </a:rPr>
+              <a:t>def</a:t>
+            </a:r>
+            <a:r>
+              <a:rPr lang="en-US" dirty="0">
+                <a:latin typeface="Menlo" charset="0"/>
+                <a:ea typeface="Menlo" charset="0"/>
+                <a:cs typeface="Menlo" charset="0"/>
+              </a:rPr>
+              <a:t> __init__</a:t>
+            </a:r>
+            <a:r>
+              <a:rPr lang="en-US" dirty="0">
+                <a:latin typeface="Menlo" charset="0"/>
+                <a:ea typeface="Menlo" charset="0"/>
+                <a:cs typeface="Menlo" charset="0"/>
+              </a:rPr>
+              <a:t>(</a:t>
+            </a:r>
+            <a:r>
+              <a:rPr lang="en-US" dirty="0">
+                <a:latin typeface="Menlo" charset="0"/>
+                <a:ea typeface="Menlo" charset="0"/>
+                <a:cs typeface="Menlo" charset="0"/>
+              </a:rPr>
+              <a:t>self, </a:t>
+            </a:r>
+            <a:r>
+              <a:rPr lang="en-US" dirty="0">
+                <a:latin typeface="Menlo" charset="0"/>
+                <a:ea typeface="Menlo" charset="0"/>
+                <a:cs typeface="Menlo" charset="0"/>
+              </a:rPr>
+              <a:t>surname</a:t>
+            </a:r>
+            <a:r>
+              <a:rPr lang="en-US" dirty="0">
+                <a:latin typeface="Menlo" charset="0"/>
+                <a:ea typeface="Menlo" charset="0"/>
+                <a:cs typeface="Menlo" charset="0"/>
+              </a:rPr>
+              <a:t>, </a:t>
+            </a:r>
+            <a:r>
+              <a:rPr lang="en-US" dirty="0">
+                <a:latin typeface="Menlo" charset="0"/>
+                <a:ea typeface="Menlo" charset="0"/>
+                <a:cs typeface="Menlo" charset="0"/>
+              </a:rPr>
+              <a:t>height</a:t>
+            </a:r>
+            <a:r>
+              <a:rPr lang="en-US" dirty="0">
+                <a:latin typeface="Menlo" charset="0"/>
+                <a:ea typeface="Menlo" charset="0"/>
+                <a:cs typeface="Menlo" charset="0"/>
+              </a:rPr>
+              <a:t>, </a:t>
+            </a:r>
+            <a:r>
+              <a:rPr lang="en-US" dirty="0">
+                <a:latin typeface="Menlo" charset="0"/>
+                <a:ea typeface="Menlo" charset="0"/>
+                <a:cs typeface="Menlo" charset="0"/>
+              </a:rPr>
+              <a:t>weight):</a:t>
+            </a:r>
+            <a:br>
+              <a:rPr lang="en-US" dirty="0">
+                <a:latin typeface="Menlo" charset="0"/>
+                <a:ea typeface="Menlo" charset="0"/>
+                <a:cs typeface="Menlo" charset="0"/>
+              </a:rPr>
+            </a:br>
+            <a:r>
+              <a:rPr lang="en-US" dirty="0">
+                <a:latin typeface="Menlo" charset="0"/>
+                <a:ea typeface="Menlo" charset="0"/>
+                <a:cs typeface="Menlo" charset="0"/>
+              </a:rPr>
+              <a:t>        </a:t>
+            </a:r>
+            <a:r>
+              <a:rPr lang="en-US" dirty="0" err="1">
+                <a:latin typeface="Menlo" charset="0"/>
+                <a:ea typeface="Menlo" charset="0"/>
+                <a:cs typeface="Menlo" charset="0"/>
+              </a:rPr>
+              <a:t>self</a:t>
+            </a:r>
+            <a:r>
+              <a:rPr lang="en-US" dirty="0" err="1">
+                <a:latin typeface="Menlo" charset="0"/>
+                <a:ea typeface="Menlo" charset="0"/>
+                <a:cs typeface="Menlo" charset="0"/>
+              </a:rPr>
+              <a:t>.surname</a:t>
+            </a:r>
+            <a:r>
+              <a:rPr lang="en-US" dirty="0">
+                <a:latin typeface="Menlo" charset="0"/>
+                <a:ea typeface="Menlo" charset="0"/>
+                <a:cs typeface="Menlo" charset="0"/>
+              </a:rPr>
+              <a:t> = surname</a:t>
+            </a:r>
+            <a:br>
+              <a:rPr lang="en-US" dirty="0">
+                <a:latin typeface="Menlo" charset="0"/>
+                <a:ea typeface="Menlo" charset="0"/>
+                <a:cs typeface="Menlo" charset="0"/>
+              </a:rPr>
+            </a:br>
+            <a:r>
+              <a:rPr lang="en-US" dirty="0">
+                <a:latin typeface="Menlo" charset="0"/>
+                <a:ea typeface="Menlo" charset="0"/>
+                <a:cs typeface="Menlo" charset="0"/>
+              </a:rPr>
+              <a:t>        </a:t>
+            </a:r>
+            <a:r>
+              <a:rPr lang="en-US" dirty="0" err="1">
+                <a:latin typeface="Menlo" charset="0"/>
+                <a:ea typeface="Menlo" charset="0"/>
+                <a:cs typeface="Menlo" charset="0"/>
+              </a:rPr>
+              <a:t>self</a:t>
+            </a:r>
+            <a:r>
+              <a:rPr lang="en-US" dirty="0" err="1">
+                <a:latin typeface="Menlo" charset="0"/>
+                <a:ea typeface="Menlo" charset="0"/>
+                <a:cs typeface="Menlo" charset="0"/>
+              </a:rPr>
+              <a:t>.height</a:t>
+            </a:r>
+            <a:r>
+              <a:rPr lang="en-US" dirty="0">
+                <a:latin typeface="Menlo" charset="0"/>
+                <a:ea typeface="Menlo" charset="0"/>
+                <a:cs typeface="Menlo" charset="0"/>
+              </a:rPr>
+              <a:t> = height</a:t>
+            </a:r>
+            <a:br>
+              <a:rPr lang="en-US" dirty="0">
+                <a:latin typeface="Menlo" charset="0"/>
+                <a:ea typeface="Menlo" charset="0"/>
+                <a:cs typeface="Menlo" charset="0"/>
+              </a:rPr>
+            </a:br>
+            <a:r>
+              <a:rPr lang="en-US" dirty="0">
+                <a:latin typeface="Menlo" charset="0"/>
+                <a:ea typeface="Menlo" charset="0"/>
+                <a:cs typeface="Menlo" charset="0"/>
+              </a:rPr>
+              <a:t>        </a:t>
+            </a:r>
+            <a:r>
+              <a:rPr lang="en-US" dirty="0" err="1">
+                <a:latin typeface="Menlo" charset="0"/>
+                <a:ea typeface="Menlo" charset="0"/>
+                <a:cs typeface="Menlo" charset="0"/>
+              </a:rPr>
+              <a:t>self</a:t>
+            </a:r>
+            <a:r>
+              <a:rPr lang="en-US" dirty="0" err="1">
+                <a:latin typeface="Menlo" charset="0"/>
+                <a:ea typeface="Menlo" charset="0"/>
+                <a:cs typeface="Menlo" charset="0"/>
+              </a:rPr>
+              <a:t>.weight</a:t>
+            </a:r>
+            <a:r>
+              <a:rPr lang="en-US" dirty="0">
+                <a:latin typeface="Menlo" charset="0"/>
+                <a:ea typeface="Menlo" charset="0"/>
+                <a:cs typeface="Menlo" charset="0"/>
+              </a:rPr>
+              <a:t> = weight</a:t>
+            </a:r>
+            <a:br>
+              <a:rPr lang="en-US" dirty="0">
+                <a:latin typeface="Menlo" charset="0"/>
+                <a:ea typeface="Menlo" charset="0"/>
+                <a:cs typeface="Menlo" charset="0"/>
+              </a:rPr>
+            </a:br>
+            <a:r>
+              <a:rPr lang="en-US" dirty="0">
+                <a:latin typeface="Menlo" charset="0"/>
+                <a:ea typeface="Menlo" charset="0"/>
+                <a:cs typeface="Menlo" charset="0"/>
+              </a:rPr>
+              <a:t/>
+            </a:r>
+            <a:br>
+              <a:rPr lang="en-US" dirty="0">
+                <a:latin typeface="Menlo" charset="0"/>
+                <a:ea typeface="Menlo" charset="0"/>
+                <a:cs typeface="Menlo" charset="0"/>
+              </a:rPr>
+            </a:br>
+            <a:r>
+              <a:rPr lang="en-US" dirty="0">
+                <a:latin typeface="Menlo" charset="0"/>
+                <a:ea typeface="Menlo" charset="0"/>
+                <a:cs typeface="Menlo" charset="0"/>
+              </a:rPr>
+              <a:t>    </a:t>
+            </a:r>
+            <a:r>
+              <a:rPr lang="en-US" dirty="0" err="1">
+                <a:latin typeface="Menlo" charset="0"/>
+                <a:ea typeface="Menlo" charset="0"/>
+                <a:cs typeface="Menlo" charset="0"/>
+              </a:rPr>
+              <a:t>def</a:t>
+            </a:r>
+            <a:r>
+              <a:rPr lang="en-US" dirty="0">
+                <a:latin typeface="Menlo" charset="0"/>
+                <a:ea typeface="Menlo" charset="0"/>
+                <a:cs typeface="Menlo" charset="0"/>
               </a:rPr>
               <a:t> </a:t>
             </a:r>
             <a:r>
-              <a:rPr lang="en-US" sz="1500" dirty="0" smtClean="0">
-                <a:latin typeface="Courier" charset="0"/>
-                <a:ea typeface="Courier" charset="0"/>
-                <a:cs typeface="Courier" charset="0"/>
-              </a:rPr>
-              <a:t>  roof = None</a:t>
-            </a:r>
-          </a:p>
-          <a:p>
-            <a:pPr marL="0" indent="0">
-              <a:lnSpc>
-                <a:spcPct val="100000"/>
-              </a:lnSpc>
-              <a:buNone/>
-            </a:pPr>
-            <a:r>
-              <a:rPr lang="en-US" sz="1500" dirty="0">
-                <a:latin typeface="Courier" charset="0"/>
-                <a:ea typeface="Courier" charset="0"/>
-                <a:cs typeface="Courier" charset="0"/>
-              </a:rPr>
-              <a:t> </a:t>
-            </a:r>
-            <a:r>
-              <a:rPr lang="en-US" sz="1500" dirty="0" smtClean="0">
-                <a:latin typeface="Courier" charset="0"/>
-                <a:ea typeface="Courier" charset="0"/>
-                <a:cs typeface="Courier" charset="0"/>
-              </a:rPr>
-              <a:t>  width = 0</a:t>
-            </a:r>
-          </a:p>
-          <a:p>
-            <a:pPr marL="0" indent="0">
-              <a:lnSpc>
-                <a:spcPct val="100000"/>
-              </a:lnSpc>
-              <a:buNone/>
-            </a:pPr>
-            <a:r>
-              <a:rPr lang="en-US" sz="1500" dirty="0">
-                <a:latin typeface="Courier" charset="0"/>
-                <a:ea typeface="Courier" charset="0"/>
-                <a:cs typeface="Courier" charset="0"/>
-              </a:rPr>
-              <a:t> </a:t>
-            </a:r>
-            <a:r>
-              <a:rPr lang="en-US" sz="1500" dirty="0" smtClean="0">
-                <a:latin typeface="Courier" charset="0"/>
-                <a:ea typeface="Courier" charset="0"/>
-                <a:cs typeface="Courier" charset="0"/>
-              </a:rPr>
-              <a:t>  length = 0</a:t>
-            </a:r>
-          </a:p>
-          <a:p>
-            <a:pPr marL="0" indent="0">
-              <a:lnSpc>
-                <a:spcPct val="100000"/>
-              </a:lnSpc>
-              <a:buNone/>
-            </a:pPr>
-            <a:r>
-              <a:rPr lang="en-US" sz="1500" dirty="0" smtClean="0">
-                <a:latin typeface="Courier" charset="0"/>
-                <a:ea typeface="Courier" charset="0"/>
-                <a:cs typeface="Courier" charset="0"/>
-              </a:rPr>
-              <a:t>   </a:t>
-            </a:r>
-            <a:r>
-              <a:rPr lang="en-US" sz="1500" dirty="0">
-                <a:latin typeface="Courier" charset="0"/>
-                <a:ea typeface="Courier" charset="0"/>
-                <a:cs typeface="Courier" charset="0"/>
-              </a:rPr>
-              <a:t>height = 0</a:t>
-            </a:r>
-            <a:endParaRPr lang="en-US" sz="1500" dirty="0" smtClean="0">
-              <a:latin typeface="Courier" charset="0"/>
-              <a:ea typeface="Courier" charset="0"/>
-              <a:cs typeface="Courier" charset="0"/>
-            </a:endParaRPr>
-          </a:p>
-          <a:p>
-            <a:pPr marL="0" indent="0">
-              <a:lnSpc>
-                <a:spcPct val="100000"/>
-              </a:lnSpc>
-              <a:buNone/>
-            </a:pPr>
-            <a:r>
-              <a:rPr lang="en-US" sz="1500" dirty="0">
-                <a:latin typeface="Courier" charset="0"/>
-                <a:ea typeface="Courier" charset="0"/>
-                <a:cs typeface="Courier" charset="0"/>
-              </a:rPr>
-              <a:t> </a:t>
-            </a:r>
-            <a:r>
-              <a:rPr lang="en-US" sz="1500" dirty="0" smtClean="0">
-                <a:latin typeface="Courier" charset="0"/>
-                <a:ea typeface="Courier" charset="0"/>
-                <a:cs typeface="Courier" charset="0"/>
-              </a:rPr>
-              <a:t>  </a:t>
-            </a:r>
-            <a:r>
-              <a:rPr lang="en-US" sz="1500" dirty="0" err="1" smtClean="0">
-                <a:latin typeface="Courier" charset="0"/>
-                <a:ea typeface="Courier" charset="0"/>
-                <a:cs typeface="Courier" charset="0"/>
-              </a:rPr>
-              <a:t>def</a:t>
-            </a:r>
-            <a:r>
-              <a:rPr lang="en-US" sz="1500" dirty="0" smtClean="0">
-                <a:latin typeface="Courier" charset="0"/>
-                <a:ea typeface="Courier" charset="0"/>
-                <a:cs typeface="Courier" charset="0"/>
-              </a:rPr>
-              <a:t> space(self):</a:t>
-            </a:r>
-          </a:p>
-          <a:p>
-            <a:pPr marL="0" indent="0">
-              <a:lnSpc>
-                <a:spcPct val="100000"/>
-              </a:lnSpc>
-              <a:buNone/>
-            </a:pPr>
-            <a:r>
-              <a:rPr lang="en-US" sz="1500" dirty="0">
-                <a:latin typeface="Courier" charset="0"/>
-                <a:ea typeface="Courier" charset="0"/>
-                <a:cs typeface="Courier" charset="0"/>
-              </a:rPr>
-              <a:t> </a:t>
-            </a:r>
-            <a:r>
-              <a:rPr lang="en-US" sz="1500" dirty="0" smtClean="0">
-                <a:latin typeface="Courier" charset="0"/>
-                <a:ea typeface="Courier" charset="0"/>
-                <a:cs typeface="Courier" charset="0"/>
-              </a:rPr>
-              <a:t>      return </a:t>
-            </a:r>
-            <a:r>
-              <a:rPr lang="en-US" sz="1500" dirty="0" err="1" smtClean="0">
-                <a:latin typeface="Courier" charset="0"/>
-                <a:ea typeface="Courier" charset="0"/>
-                <a:cs typeface="Courier" charset="0"/>
-              </a:rPr>
-              <a:t>self.width</a:t>
-            </a:r>
-            <a:r>
-              <a:rPr lang="en-US" sz="1500" dirty="0" smtClean="0">
-                <a:latin typeface="Courier" charset="0"/>
-                <a:ea typeface="Courier" charset="0"/>
-                <a:cs typeface="Courier" charset="0"/>
-              </a:rPr>
-              <a:t> * </a:t>
-            </a:r>
-            <a:r>
-              <a:rPr lang="en-US" sz="1500" dirty="0" err="1" smtClean="0">
-                <a:latin typeface="Courier" charset="0"/>
-                <a:ea typeface="Courier" charset="0"/>
-                <a:cs typeface="Courier" charset="0"/>
-              </a:rPr>
-              <a:t>self.length</a:t>
-            </a:r>
-            <a:endParaRPr lang="en-US" sz="1500" dirty="0" smtClean="0">
-              <a:latin typeface="Courier" charset="0"/>
-              <a:ea typeface="Courier" charset="0"/>
-              <a:cs typeface="Courier" charset="0"/>
-            </a:endParaRPr>
-          </a:p>
-          <a:p>
-            <a:pPr marL="0" indent="0">
-              <a:lnSpc>
-                <a:spcPct val="100000"/>
-              </a:lnSpc>
-              <a:buNone/>
-            </a:pPr>
-            <a:r>
-              <a:rPr lang="en-US" sz="1500" dirty="0">
-                <a:latin typeface="Courier" charset="0"/>
-                <a:ea typeface="Courier" charset="0"/>
-                <a:cs typeface="Courier" charset="0"/>
-              </a:rPr>
-              <a:t> </a:t>
-            </a:r>
-            <a:r>
-              <a:rPr lang="en-US" sz="1500" dirty="0" smtClean="0">
-                <a:latin typeface="Courier" charset="0"/>
-                <a:ea typeface="Courier" charset="0"/>
-                <a:cs typeface="Courier" charset="0"/>
-              </a:rPr>
-              <a:t>  </a:t>
-            </a:r>
-            <a:r>
-              <a:rPr lang="en-US" sz="1500" dirty="0" err="1" smtClean="0">
-                <a:latin typeface="Courier" charset="0"/>
-                <a:ea typeface="Courier" charset="0"/>
-                <a:cs typeface="Courier" charset="0"/>
-              </a:rPr>
-              <a:t>def</a:t>
-            </a:r>
-            <a:r>
-              <a:rPr lang="en-US" sz="1500" dirty="0" smtClean="0">
-                <a:latin typeface="Courier" charset="0"/>
-                <a:ea typeface="Courier" charset="0"/>
-                <a:cs typeface="Courier" charset="0"/>
-              </a:rPr>
-              <a:t> volume(self):</a:t>
-            </a:r>
-          </a:p>
-          <a:p>
-            <a:pPr marL="0" indent="0">
-              <a:lnSpc>
-                <a:spcPct val="100000"/>
-              </a:lnSpc>
-              <a:buNone/>
-            </a:pPr>
-            <a:r>
-              <a:rPr lang="en-US" sz="1500" dirty="0">
-                <a:latin typeface="Courier" charset="0"/>
-                <a:ea typeface="Courier" charset="0"/>
-                <a:cs typeface="Courier" charset="0"/>
-              </a:rPr>
-              <a:t> </a:t>
-            </a:r>
-            <a:r>
-              <a:rPr lang="en-US" sz="1500" dirty="0" smtClean="0">
-                <a:latin typeface="Courier" charset="0"/>
-                <a:ea typeface="Courier" charset="0"/>
-                <a:cs typeface="Courier" charset="0"/>
-              </a:rPr>
-              <a:t>      return </a:t>
-            </a:r>
-            <a:r>
-              <a:rPr lang="en-US" sz="1500" dirty="0" err="1" smtClean="0">
-                <a:latin typeface="Courier" charset="0"/>
-                <a:ea typeface="Courier" charset="0"/>
-                <a:cs typeface="Courier" charset="0"/>
-              </a:rPr>
-              <a:t>self.space</a:t>
-            </a:r>
-            <a:r>
-              <a:rPr lang="en-US" sz="1500" dirty="0" smtClean="0">
-                <a:latin typeface="Courier" charset="0"/>
-                <a:ea typeface="Courier" charset="0"/>
-                <a:cs typeface="Courier" charset="0"/>
-              </a:rPr>
-              <a:t>() * </a:t>
-            </a:r>
-            <a:r>
-              <a:rPr lang="en-US" sz="1500" dirty="0" err="1" smtClean="0">
-                <a:latin typeface="Courier" charset="0"/>
-                <a:ea typeface="Courier" charset="0"/>
-                <a:cs typeface="Courier" charset="0"/>
-              </a:rPr>
-              <a:t>self.heigth</a:t>
-            </a:r>
-            <a:endParaRPr lang="en-US" sz="1500" dirty="0" smtClean="0">
-              <a:latin typeface="Courier" charset="0"/>
-              <a:ea typeface="Courier" charset="0"/>
-              <a:cs typeface="Courier" charset="0"/>
-            </a:endParaRPr>
-          </a:p>
-          <a:p>
-            <a:pPr marL="0" indent="0">
-              <a:lnSpc>
-                <a:spcPct val="100000"/>
-              </a:lnSpc>
-              <a:buNone/>
-            </a:pPr>
-            <a:r>
-              <a:rPr lang="en-US" sz="1500" dirty="0" smtClean="0">
-                <a:latin typeface="Courier" charset="0"/>
-                <a:ea typeface="Courier" charset="0"/>
-                <a:cs typeface="Courier" charset="0"/>
-              </a:rPr>
-              <a:t># new instance:</a:t>
-            </a:r>
-          </a:p>
-          <a:p>
-            <a:pPr marL="0" indent="0">
-              <a:lnSpc>
-                <a:spcPct val="100000"/>
-              </a:lnSpc>
-              <a:buNone/>
-            </a:pPr>
-            <a:r>
-              <a:rPr lang="en-US" sz="1500" dirty="0" smtClean="0">
-                <a:latin typeface="Courier" charset="0"/>
-                <a:ea typeface="Courier" charset="0"/>
-                <a:cs typeface="Courier" charset="0"/>
-              </a:rPr>
-              <a:t>prescott85 = House()</a:t>
-            </a:r>
-          </a:p>
-          <a:p>
-            <a:pPr marL="0" indent="0">
-              <a:lnSpc>
-                <a:spcPct val="100000"/>
-              </a:lnSpc>
-              <a:buNone/>
-            </a:pPr>
-            <a:r>
-              <a:rPr lang="en-US" sz="1500" dirty="0" smtClean="0">
-                <a:latin typeface="Courier" charset="0"/>
-                <a:ea typeface="Courier" charset="0"/>
-                <a:cs typeface="Courier" charset="0"/>
-              </a:rPr>
-              <a:t>prescott85.width = 30</a:t>
-            </a:r>
-          </a:p>
-          <a:p>
-            <a:pPr marL="0" indent="0">
-              <a:lnSpc>
-                <a:spcPct val="100000"/>
-              </a:lnSpc>
-              <a:buNone/>
-            </a:pPr>
-            <a:r>
-              <a:rPr lang="en-US" sz="1500" dirty="0" smtClean="0">
-                <a:latin typeface="Courier" charset="0"/>
-                <a:ea typeface="Courier" charset="0"/>
-                <a:cs typeface="Courier" charset="0"/>
-              </a:rPr>
-              <a:t>prescott85.length = 10</a:t>
-            </a:r>
-          </a:p>
-          <a:p>
-            <a:pPr marL="0" indent="0">
-              <a:lnSpc>
-                <a:spcPct val="100000"/>
-              </a:lnSpc>
-              <a:buNone/>
-            </a:pPr>
-            <a:r>
-              <a:rPr lang="en-US" sz="1500" dirty="0" smtClean="0">
-                <a:latin typeface="Courier" charset="0"/>
-                <a:ea typeface="Courier" charset="0"/>
-                <a:cs typeface="Courier" charset="0"/>
-              </a:rPr>
-              <a:t>print(prescott85.space())</a:t>
-            </a:r>
-            <a:endParaRPr lang="en-US" sz="1500" dirty="0">
-              <a:latin typeface="Courier" charset="0"/>
-              <a:ea typeface="Courier" charset="0"/>
-              <a:cs typeface="Courier" charset="0"/>
+              <a:rPr lang="en-US" dirty="0" err="1">
+                <a:latin typeface="Menlo" charset="0"/>
+                <a:ea typeface="Menlo" charset="0"/>
+                <a:cs typeface="Menlo" charset="0"/>
+              </a:rPr>
+              <a:t>bmi</a:t>
+            </a:r>
+            <a:r>
+              <a:rPr lang="en-US" dirty="0">
+                <a:latin typeface="Menlo" charset="0"/>
+                <a:ea typeface="Menlo" charset="0"/>
+                <a:cs typeface="Menlo" charset="0"/>
+              </a:rPr>
+              <a:t>(</a:t>
+            </a:r>
+            <a:r>
+              <a:rPr lang="en-US" dirty="0">
+                <a:latin typeface="Menlo" charset="0"/>
+                <a:ea typeface="Menlo" charset="0"/>
+                <a:cs typeface="Menlo" charset="0"/>
+              </a:rPr>
+              <a:t>self</a:t>
+            </a:r>
+            <a:r>
+              <a:rPr lang="en-US" dirty="0">
+                <a:latin typeface="Menlo" charset="0"/>
+                <a:ea typeface="Menlo" charset="0"/>
+                <a:cs typeface="Menlo" charset="0"/>
+              </a:rPr>
+              <a:t>):</a:t>
+            </a:r>
+            <a:br>
+              <a:rPr lang="en-US" dirty="0">
+                <a:latin typeface="Menlo" charset="0"/>
+                <a:ea typeface="Menlo" charset="0"/>
+                <a:cs typeface="Menlo" charset="0"/>
+              </a:rPr>
+            </a:br>
+            <a:r>
+              <a:rPr lang="en-US" dirty="0">
+                <a:latin typeface="Menlo" charset="0"/>
+                <a:ea typeface="Menlo" charset="0"/>
+                <a:cs typeface="Menlo" charset="0"/>
+              </a:rPr>
+              <a:t>        </a:t>
+            </a:r>
+            <a:r>
+              <a:rPr lang="en-US" dirty="0">
+                <a:latin typeface="Menlo" charset="0"/>
+                <a:ea typeface="Menlo" charset="0"/>
+                <a:cs typeface="Menlo" charset="0"/>
+              </a:rPr>
+              <a:t>return </a:t>
+            </a:r>
+            <a:r>
+              <a:rPr lang="en-US" dirty="0" err="1">
+                <a:latin typeface="Menlo" charset="0"/>
+                <a:ea typeface="Menlo" charset="0"/>
+                <a:cs typeface="Menlo" charset="0"/>
+              </a:rPr>
+              <a:t>self</a:t>
+            </a:r>
+            <a:r>
+              <a:rPr lang="en-US" dirty="0" err="1">
+                <a:latin typeface="Menlo" charset="0"/>
+                <a:ea typeface="Menlo" charset="0"/>
+                <a:cs typeface="Menlo" charset="0"/>
+              </a:rPr>
+              <a:t>.weight</a:t>
+            </a:r>
+            <a:r>
+              <a:rPr lang="en-US" dirty="0">
+                <a:latin typeface="Menlo" charset="0"/>
+                <a:ea typeface="Menlo" charset="0"/>
+                <a:cs typeface="Menlo" charset="0"/>
+              </a:rPr>
+              <a:t> / (</a:t>
+            </a:r>
+            <a:r>
+              <a:rPr lang="en-US" dirty="0" err="1">
+                <a:latin typeface="Menlo" charset="0"/>
+                <a:ea typeface="Menlo" charset="0"/>
+                <a:cs typeface="Menlo" charset="0"/>
+              </a:rPr>
+              <a:t>self</a:t>
+            </a:r>
+            <a:r>
+              <a:rPr lang="en-US" dirty="0" err="1">
+                <a:latin typeface="Menlo" charset="0"/>
+                <a:ea typeface="Menlo" charset="0"/>
+                <a:cs typeface="Menlo" charset="0"/>
+              </a:rPr>
+              <a:t>.height</a:t>
+            </a:r>
+            <a:r>
+              <a:rPr lang="en-US" dirty="0">
+                <a:latin typeface="Menlo" charset="0"/>
+                <a:ea typeface="Menlo" charset="0"/>
+                <a:cs typeface="Menlo" charset="0"/>
+              </a:rPr>
+              <a:t> / </a:t>
+            </a:r>
+            <a:r>
+              <a:rPr lang="en-US" dirty="0">
+                <a:latin typeface="Menlo" charset="0"/>
+                <a:ea typeface="Menlo" charset="0"/>
+                <a:cs typeface="Menlo" charset="0"/>
+              </a:rPr>
+              <a:t>100</a:t>
+            </a:r>
+            <a:r>
+              <a:rPr lang="en-US" dirty="0">
+                <a:latin typeface="Menlo" charset="0"/>
+                <a:ea typeface="Menlo" charset="0"/>
+                <a:cs typeface="Menlo" charset="0"/>
+              </a:rPr>
+              <a:t>) ** </a:t>
+            </a:r>
+            <a:r>
+              <a:rPr lang="en-US" dirty="0">
+                <a:latin typeface="Menlo" charset="0"/>
+                <a:ea typeface="Menlo" charset="0"/>
+                <a:cs typeface="Menlo" charset="0"/>
+              </a:rPr>
+              <a:t>2</a:t>
+            </a:r>
+            <a:br>
+              <a:rPr lang="en-US" dirty="0">
+                <a:latin typeface="Menlo" charset="0"/>
+                <a:ea typeface="Menlo" charset="0"/>
+                <a:cs typeface="Menlo" charset="0"/>
+              </a:rPr>
+            </a:br>
+            <a:r>
+              <a:rPr lang="en-US" dirty="0">
+                <a:latin typeface="Menlo" charset="0"/>
+                <a:ea typeface="Menlo" charset="0"/>
+                <a:cs typeface="Menlo" charset="0"/>
+              </a:rPr>
+              <a:t/>
+            </a:r>
+            <a:br>
+              <a:rPr lang="en-US" dirty="0">
+                <a:latin typeface="Menlo" charset="0"/>
+                <a:ea typeface="Menlo" charset="0"/>
+                <a:cs typeface="Menlo" charset="0"/>
+              </a:rPr>
+            </a:br>
+            <a:r>
+              <a:rPr lang="en-US" dirty="0">
+                <a:latin typeface="Menlo" charset="0"/>
+                <a:ea typeface="Menlo" charset="0"/>
+                <a:cs typeface="Menlo" charset="0"/>
+              </a:rPr>
+              <a:t/>
+            </a:r>
+            <a:br>
+              <a:rPr lang="en-US" dirty="0">
+                <a:latin typeface="Menlo" charset="0"/>
+                <a:ea typeface="Menlo" charset="0"/>
+                <a:cs typeface="Menlo" charset="0"/>
+              </a:rPr>
+            </a:br>
+            <a:r>
+              <a:rPr lang="en-US" dirty="0" err="1">
+                <a:latin typeface="Menlo" charset="0"/>
+                <a:ea typeface="Menlo" charset="0"/>
+                <a:cs typeface="Menlo" charset="0"/>
+              </a:rPr>
+              <a:t>donald</a:t>
+            </a:r>
+            <a:r>
+              <a:rPr lang="en-US" dirty="0">
+                <a:latin typeface="Menlo" charset="0"/>
+                <a:ea typeface="Menlo" charset="0"/>
+                <a:cs typeface="Menlo" charset="0"/>
+              </a:rPr>
+              <a:t> = Person(</a:t>
+            </a:r>
+            <a:r>
+              <a:rPr lang="en-US" dirty="0">
+                <a:latin typeface="Menlo" charset="0"/>
+                <a:ea typeface="Menlo" charset="0"/>
+                <a:cs typeface="Menlo" charset="0"/>
+              </a:rPr>
+              <a:t>'Trump', 190, 110</a:t>
+            </a:r>
+            <a:r>
+              <a:rPr lang="en-US" dirty="0">
+                <a:latin typeface="Menlo" charset="0"/>
+                <a:ea typeface="Menlo" charset="0"/>
+                <a:cs typeface="Menlo" charset="0"/>
+              </a:rPr>
+              <a:t>)</a:t>
+            </a:r>
+            <a:br>
+              <a:rPr lang="en-US" dirty="0">
+                <a:latin typeface="Menlo" charset="0"/>
+                <a:ea typeface="Menlo" charset="0"/>
+                <a:cs typeface="Menlo" charset="0"/>
+              </a:rPr>
+            </a:br>
+            <a:r>
+              <a:rPr lang="en-US" dirty="0">
+                <a:latin typeface="Menlo" charset="0"/>
+                <a:ea typeface="Menlo" charset="0"/>
+                <a:cs typeface="Menlo" charset="0"/>
+              </a:rPr>
+              <a:t>print</a:t>
+            </a:r>
+            <a:r>
+              <a:rPr lang="en-US" dirty="0">
+                <a:latin typeface="Menlo" charset="0"/>
+                <a:ea typeface="Menlo" charset="0"/>
+                <a:cs typeface="Menlo" charset="0"/>
+              </a:rPr>
+              <a:t>(</a:t>
+            </a:r>
+            <a:r>
+              <a:rPr lang="en-US" dirty="0" err="1">
+                <a:latin typeface="Menlo" charset="0"/>
+                <a:ea typeface="Menlo" charset="0"/>
+                <a:cs typeface="Menlo" charset="0"/>
+              </a:rPr>
+              <a:t>donald.bmi</a:t>
+            </a:r>
+            <a:r>
+              <a:rPr lang="en-US" dirty="0">
+                <a:latin typeface="Menlo" charset="0"/>
+                <a:ea typeface="Menlo" charset="0"/>
+                <a:cs typeface="Menlo" charset="0"/>
+              </a:rPr>
+              <a:t>())</a:t>
+            </a:r>
+            <a:br>
+              <a:rPr lang="en-US" dirty="0">
+                <a:latin typeface="Menlo" charset="0"/>
+                <a:ea typeface="Menlo" charset="0"/>
+                <a:cs typeface="Menlo" charset="0"/>
+              </a:rPr>
+            </a:br>
+            <a:endParaRPr lang="en-US" dirty="0">
+              <a:latin typeface="Menlo" charset="0"/>
+              <a:ea typeface="Menlo" charset="0"/>
+              <a:cs typeface="Menlo" charset="0"/>
             </a:endParaRPr>
           </a:p>
         </p:txBody>
